--- a/액션&경영 RPG/게임플레이.pptx
+++ b/액션&경영 RPG/게임플레이.pptx
@@ -108,6 +108,11 @@
       </a:defRPr>
     </a:lvl9pPr>
   </p:defaultTextStyle>
+  <p:extLst>
+    <p:ext uri="{EFAFB233-063F-42B5-8137-9DF3F51BA10A}">
+      <p15:sldGuideLst xmlns:p15="http://schemas.microsoft.com/office/powerpoint/2012/main"/>
+    </p:ext>
+  </p:extLst>
 </p:presentation>
 </file>
 
@@ -193,7 +198,7 @@
           <a:p>
             <a:fld id="{B7F3F2A0-9C1C-4C9B-9E56-5CB19D1D757D}" type="datetimeFigureOut">
               <a:rPr lang="ko-KR" altLang="en-US" smtClean="0"/>
-              <a:t>2024-07-30</a:t>
+              <a:t>2024-07-31</a:t>
             </a:fld>
             <a:endParaRPr lang="ko-KR" altLang="en-US"/>
           </a:p>
@@ -691,7 +696,7 @@
           <a:p>
             <a:fld id="{8BD990B8-C5BC-4952-9217-139FE792DABA}" type="datetimeFigureOut">
               <a:rPr lang="ko-KR" altLang="en-US" smtClean="0"/>
-              <a:t>2024-07-30</a:t>
+              <a:t>2024-07-31</a:t>
             </a:fld>
             <a:endParaRPr lang="ko-KR" altLang="en-US"/>
           </a:p>
@@ -889,7 +894,7 @@
           <a:p>
             <a:fld id="{8BD990B8-C5BC-4952-9217-139FE792DABA}" type="datetimeFigureOut">
               <a:rPr lang="ko-KR" altLang="en-US" smtClean="0"/>
-              <a:t>2024-07-30</a:t>
+              <a:t>2024-07-31</a:t>
             </a:fld>
             <a:endParaRPr lang="ko-KR" altLang="en-US"/>
           </a:p>
@@ -1097,7 +1102,7 @@
           <a:p>
             <a:fld id="{8BD990B8-C5BC-4952-9217-139FE792DABA}" type="datetimeFigureOut">
               <a:rPr lang="ko-KR" altLang="en-US" smtClean="0"/>
-              <a:t>2024-07-30</a:t>
+              <a:t>2024-07-31</a:t>
             </a:fld>
             <a:endParaRPr lang="ko-KR" altLang="en-US"/>
           </a:p>
@@ -1295,7 +1300,7 @@
           <a:p>
             <a:fld id="{8BD990B8-C5BC-4952-9217-139FE792DABA}" type="datetimeFigureOut">
               <a:rPr lang="ko-KR" altLang="en-US" smtClean="0"/>
-              <a:t>2024-07-30</a:t>
+              <a:t>2024-07-31</a:t>
             </a:fld>
             <a:endParaRPr lang="ko-KR" altLang="en-US"/>
           </a:p>
@@ -1570,7 +1575,7 @@
           <a:p>
             <a:fld id="{8BD990B8-C5BC-4952-9217-139FE792DABA}" type="datetimeFigureOut">
               <a:rPr lang="ko-KR" altLang="en-US" smtClean="0"/>
-              <a:t>2024-07-30</a:t>
+              <a:t>2024-07-31</a:t>
             </a:fld>
             <a:endParaRPr lang="ko-KR" altLang="en-US"/>
           </a:p>
@@ -1835,7 +1840,7 @@
           <a:p>
             <a:fld id="{8BD990B8-C5BC-4952-9217-139FE792DABA}" type="datetimeFigureOut">
               <a:rPr lang="ko-KR" altLang="en-US" smtClean="0"/>
-              <a:t>2024-07-30</a:t>
+              <a:t>2024-07-31</a:t>
             </a:fld>
             <a:endParaRPr lang="ko-KR" altLang="en-US"/>
           </a:p>
@@ -2247,7 +2252,7 @@
           <a:p>
             <a:fld id="{8BD990B8-C5BC-4952-9217-139FE792DABA}" type="datetimeFigureOut">
               <a:rPr lang="ko-KR" altLang="en-US" smtClean="0"/>
-              <a:t>2024-07-30</a:t>
+              <a:t>2024-07-31</a:t>
             </a:fld>
             <a:endParaRPr lang="ko-KR" altLang="en-US"/>
           </a:p>
@@ -2388,7 +2393,7 @@
           <a:p>
             <a:fld id="{8BD990B8-C5BC-4952-9217-139FE792DABA}" type="datetimeFigureOut">
               <a:rPr lang="ko-KR" altLang="en-US" smtClean="0"/>
-              <a:t>2024-07-30</a:t>
+              <a:t>2024-07-31</a:t>
             </a:fld>
             <a:endParaRPr lang="ko-KR" altLang="en-US"/>
           </a:p>
@@ -2501,7 +2506,7 @@
           <a:p>
             <a:fld id="{8BD990B8-C5BC-4952-9217-139FE792DABA}" type="datetimeFigureOut">
               <a:rPr lang="ko-KR" altLang="en-US" smtClean="0"/>
-              <a:t>2024-07-30</a:t>
+              <a:t>2024-07-31</a:t>
             </a:fld>
             <a:endParaRPr lang="ko-KR" altLang="en-US"/>
           </a:p>
@@ -2812,7 +2817,7 @@
           <a:p>
             <a:fld id="{8BD990B8-C5BC-4952-9217-139FE792DABA}" type="datetimeFigureOut">
               <a:rPr lang="ko-KR" altLang="en-US" smtClean="0"/>
-              <a:t>2024-07-30</a:t>
+              <a:t>2024-07-31</a:t>
             </a:fld>
             <a:endParaRPr lang="ko-KR" altLang="en-US"/>
           </a:p>
@@ -3100,7 +3105,7 @@
           <a:p>
             <a:fld id="{8BD990B8-C5BC-4952-9217-139FE792DABA}" type="datetimeFigureOut">
               <a:rPr lang="ko-KR" altLang="en-US" smtClean="0"/>
-              <a:t>2024-07-30</a:t>
+              <a:t>2024-07-31</a:t>
             </a:fld>
             <a:endParaRPr lang="ko-KR" altLang="en-US"/>
           </a:p>
@@ -3341,7 +3346,7 @@
           <a:p>
             <a:fld id="{8BD990B8-C5BC-4952-9217-139FE792DABA}" type="datetimeFigureOut">
               <a:rPr lang="ko-KR" altLang="en-US" smtClean="0"/>
-              <a:t>2024-07-30</a:t>
+              <a:t>2024-07-31</a:t>
             </a:fld>
             <a:endParaRPr lang="ko-KR" altLang="en-US"/>
           </a:p>
@@ -3852,55 +3857,6 @@
             <a:r>
               <a:rPr lang="ko-KR" altLang="en-US" sz="1000" dirty="0"/>
               <a:t>시작</a:t>
-            </a:r>
-          </a:p>
-        </p:txBody>
-      </p:sp>
-      <p:sp>
-        <p:nvSpPr>
-          <p:cNvPr id="6" name="직사각형 5">
-            <a:extLst>
-              <a:ext uri="{FF2B5EF4-FFF2-40B4-BE49-F238E27FC236}">
-                <a16:creationId xmlns:a16="http://schemas.microsoft.com/office/drawing/2014/main" id="{0FAC94AC-CBF6-449B-B782-7C90E37EF1C0}"/>
-              </a:ext>
-            </a:extLst>
-          </p:cNvPr>
-          <p:cNvSpPr/>
-          <p:nvPr/>
-        </p:nvSpPr>
-        <p:spPr>
-          <a:xfrm>
-            <a:off x="1994188" y="1006765"/>
-            <a:ext cx="1045441" cy="341746"/>
-          </a:xfrm>
-          <a:prstGeom prst="rect">
-            <a:avLst/>
-          </a:prstGeom>
-        </p:spPr>
-        <p:style>
-          <a:lnRef idx="2">
-            <a:schemeClr val="accent1">
-              <a:shade val="50000"/>
-            </a:schemeClr>
-          </a:lnRef>
-          <a:fillRef idx="1">
-            <a:schemeClr val="accent1"/>
-          </a:fillRef>
-          <a:effectRef idx="0">
-            <a:schemeClr val="accent1"/>
-          </a:effectRef>
-          <a:fontRef idx="minor">
-            <a:schemeClr val="lt1"/>
-          </a:fontRef>
-        </p:style>
-        <p:txBody>
-          <a:bodyPr rtlCol="0" anchor="ctr"/>
-          <a:lstStyle/>
-          <a:p>
-            <a:pPr algn="ctr"/>
-            <a:r>
-              <a:rPr lang="ko-KR" altLang="en-US" sz="1000" dirty="0"/>
-              <a:t>튜토리얼</a:t>
             </a:r>
           </a:p>
         </p:txBody>

--- a/액션&경영 RPG/게임플레이.pptx
+++ b/액션&경영 RPG/게임플레이.pptx
@@ -5,11 +5,10 @@
     <p:sldMasterId id="2147483648" r:id="rId1"/>
   </p:sldMasterIdLst>
   <p:notesMasterIdLst>
-    <p:notesMasterId r:id="rId4"/>
+    <p:notesMasterId r:id="rId3"/>
   </p:notesMasterIdLst>
   <p:sldIdLst>
-    <p:sldId id="256" r:id="rId2"/>
-    <p:sldId id="257" r:id="rId3"/>
+    <p:sldId id="258" r:id="rId2"/>
   </p:sldIdLst>
   <p:sldSz cx="12192000" cy="6858000"/>
   <p:notesSz cx="6858000" cy="9144000"/>
@@ -198,7 +197,7 @@
           <a:p>
             <a:fld id="{B7F3F2A0-9C1C-4C9B-9E56-5CB19D1D757D}" type="datetimeFigureOut">
               <a:rPr lang="ko-KR" altLang="en-US" smtClean="0"/>
-              <a:t>2024-07-31</a:t>
+              <a:t>2024-08-01</a:t>
             </a:fld>
             <a:endParaRPr lang="ko-KR" altLang="en-US"/>
           </a:p>
@@ -465,90 +464,6 @@
 </p:notesMaster>
 </file>
 
-<file path=ppt/notesSlides/notesSlide1.xml><?xml version="1.0" encoding="utf-8"?>
-<p:notes xmlns:a="http://schemas.openxmlformats.org/drawingml/2006/main" xmlns:r="http://schemas.openxmlformats.org/officeDocument/2006/relationships" xmlns:p="http://schemas.openxmlformats.org/presentationml/2006/main">
-  <p:cSld>
-    <p:spTree>
-      <p:nvGrpSpPr>
-        <p:cNvPr id="1" name=""/>
-        <p:cNvGrpSpPr/>
-        <p:nvPr/>
-      </p:nvGrpSpPr>
-      <p:grpSpPr>
-        <a:xfrm>
-          <a:off x="0" y="0"/>
-          <a:ext cx="0" cy="0"/>
-          <a:chOff x="0" y="0"/>
-          <a:chExt cx="0" cy="0"/>
-        </a:xfrm>
-      </p:grpSpPr>
-      <p:sp>
-        <p:nvSpPr>
-          <p:cNvPr id="2" name="슬라이드 이미지 개체 틀 1"/>
-          <p:cNvSpPr>
-            <a:spLocks noGrp="1" noRot="1" noChangeAspect="1"/>
-          </p:cNvSpPr>
-          <p:nvPr>
-            <p:ph type="sldImg"/>
-          </p:nvPr>
-        </p:nvSpPr>
-        <p:spPr/>
-      </p:sp>
-      <p:sp>
-        <p:nvSpPr>
-          <p:cNvPr id="3" name="슬라이드 노트 개체 틀 2"/>
-          <p:cNvSpPr>
-            <a:spLocks noGrp="1"/>
-          </p:cNvSpPr>
-          <p:nvPr>
-            <p:ph type="body" idx="1"/>
-          </p:nvPr>
-        </p:nvSpPr>
-        <p:spPr/>
-        <p:txBody>
-          <a:bodyPr/>
-          <a:lstStyle/>
-          <a:p>
-            <a:endParaRPr lang="ko-KR" altLang="en-US" dirty="0"/>
-          </a:p>
-        </p:txBody>
-      </p:sp>
-      <p:sp>
-        <p:nvSpPr>
-          <p:cNvPr id="4" name="슬라이드 번호 개체 틀 3"/>
-          <p:cNvSpPr>
-            <a:spLocks noGrp="1"/>
-          </p:cNvSpPr>
-          <p:nvPr>
-            <p:ph type="sldNum" sz="quarter" idx="5"/>
-          </p:nvPr>
-        </p:nvSpPr>
-        <p:spPr/>
-        <p:txBody>
-          <a:bodyPr/>
-          <a:lstStyle/>
-          <a:p>
-            <a:fld id="{EC691A1B-2B87-4474-9C9F-BC7D720E6345}" type="slidenum">
-              <a:rPr lang="ko-KR" altLang="en-US" smtClean="0"/>
-              <a:t>2</a:t>
-            </a:fld>
-            <a:endParaRPr lang="ko-KR" altLang="en-US"/>
-          </a:p>
-        </p:txBody>
-      </p:sp>
-    </p:spTree>
-    <p:extLst>
-      <p:ext uri="{BB962C8B-B14F-4D97-AF65-F5344CB8AC3E}">
-        <p14:creationId xmlns:p14="http://schemas.microsoft.com/office/powerpoint/2010/main" val="3680267319"/>
-      </p:ext>
-    </p:extLst>
-  </p:cSld>
-  <p:clrMapOvr>
-    <a:masterClrMapping/>
-  </p:clrMapOvr>
-</p:notes>
-</file>
-
 <file path=ppt/slideLayouts/slideLayout1.xml><?xml version="1.0" encoding="utf-8"?>
 <p:sldLayout xmlns:a="http://schemas.openxmlformats.org/drawingml/2006/main" xmlns:r="http://schemas.openxmlformats.org/officeDocument/2006/relationships" xmlns:p="http://schemas.openxmlformats.org/presentationml/2006/main" type="title" preserve="1">
   <p:cSld name="제목 슬라이드">
@@ -696,7 +611,7 @@
           <a:p>
             <a:fld id="{8BD990B8-C5BC-4952-9217-139FE792DABA}" type="datetimeFigureOut">
               <a:rPr lang="ko-KR" altLang="en-US" smtClean="0"/>
-              <a:t>2024-07-31</a:t>
+              <a:t>2024-08-01</a:t>
             </a:fld>
             <a:endParaRPr lang="ko-KR" altLang="en-US"/>
           </a:p>
@@ -894,7 +809,7 @@
           <a:p>
             <a:fld id="{8BD990B8-C5BC-4952-9217-139FE792DABA}" type="datetimeFigureOut">
               <a:rPr lang="ko-KR" altLang="en-US" smtClean="0"/>
-              <a:t>2024-07-31</a:t>
+              <a:t>2024-08-01</a:t>
             </a:fld>
             <a:endParaRPr lang="ko-KR" altLang="en-US"/>
           </a:p>
@@ -1102,7 +1017,7 @@
           <a:p>
             <a:fld id="{8BD990B8-C5BC-4952-9217-139FE792DABA}" type="datetimeFigureOut">
               <a:rPr lang="ko-KR" altLang="en-US" smtClean="0"/>
-              <a:t>2024-07-31</a:t>
+              <a:t>2024-08-01</a:t>
             </a:fld>
             <a:endParaRPr lang="ko-KR" altLang="en-US"/>
           </a:p>
@@ -1300,7 +1215,7 @@
           <a:p>
             <a:fld id="{8BD990B8-C5BC-4952-9217-139FE792DABA}" type="datetimeFigureOut">
               <a:rPr lang="ko-KR" altLang="en-US" smtClean="0"/>
-              <a:t>2024-07-31</a:t>
+              <a:t>2024-08-01</a:t>
             </a:fld>
             <a:endParaRPr lang="ko-KR" altLang="en-US"/>
           </a:p>
@@ -1575,7 +1490,7 @@
           <a:p>
             <a:fld id="{8BD990B8-C5BC-4952-9217-139FE792DABA}" type="datetimeFigureOut">
               <a:rPr lang="ko-KR" altLang="en-US" smtClean="0"/>
-              <a:t>2024-07-31</a:t>
+              <a:t>2024-08-01</a:t>
             </a:fld>
             <a:endParaRPr lang="ko-KR" altLang="en-US"/>
           </a:p>
@@ -1840,7 +1755,7 @@
           <a:p>
             <a:fld id="{8BD990B8-C5BC-4952-9217-139FE792DABA}" type="datetimeFigureOut">
               <a:rPr lang="ko-KR" altLang="en-US" smtClean="0"/>
-              <a:t>2024-07-31</a:t>
+              <a:t>2024-08-01</a:t>
             </a:fld>
             <a:endParaRPr lang="ko-KR" altLang="en-US"/>
           </a:p>
@@ -2252,7 +2167,7 @@
           <a:p>
             <a:fld id="{8BD990B8-C5BC-4952-9217-139FE792DABA}" type="datetimeFigureOut">
               <a:rPr lang="ko-KR" altLang="en-US" smtClean="0"/>
-              <a:t>2024-07-31</a:t>
+              <a:t>2024-08-01</a:t>
             </a:fld>
             <a:endParaRPr lang="ko-KR" altLang="en-US"/>
           </a:p>
@@ -2393,7 +2308,7 @@
           <a:p>
             <a:fld id="{8BD990B8-C5BC-4952-9217-139FE792DABA}" type="datetimeFigureOut">
               <a:rPr lang="ko-KR" altLang="en-US" smtClean="0"/>
-              <a:t>2024-07-31</a:t>
+              <a:t>2024-08-01</a:t>
             </a:fld>
             <a:endParaRPr lang="ko-KR" altLang="en-US"/>
           </a:p>
@@ -2506,7 +2421,7 @@
           <a:p>
             <a:fld id="{8BD990B8-C5BC-4952-9217-139FE792DABA}" type="datetimeFigureOut">
               <a:rPr lang="ko-KR" altLang="en-US" smtClean="0"/>
-              <a:t>2024-07-31</a:t>
+              <a:t>2024-08-01</a:t>
             </a:fld>
             <a:endParaRPr lang="ko-KR" altLang="en-US"/>
           </a:p>
@@ -2817,7 +2732,7 @@
           <a:p>
             <a:fld id="{8BD990B8-C5BC-4952-9217-139FE792DABA}" type="datetimeFigureOut">
               <a:rPr lang="ko-KR" altLang="en-US" smtClean="0"/>
-              <a:t>2024-07-31</a:t>
+              <a:t>2024-08-01</a:t>
             </a:fld>
             <a:endParaRPr lang="ko-KR" altLang="en-US"/>
           </a:p>
@@ -3105,7 +3020,7 @@
           <a:p>
             <a:fld id="{8BD990B8-C5BC-4952-9217-139FE792DABA}" type="datetimeFigureOut">
               <a:rPr lang="ko-KR" altLang="en-US" smtClean="0"/>
-              <a:t>2024-07-31</a:t>
+              <a:t>2024-08-01</a:t>
             </a:fld>
             <a:endParaRPr lang="ko-KR" altLang="en-US"/>
           </a:p>
@@ -3346,7 +3261,7 @@
           <a:p>
             <a:fld id="{8BD990B8-C5BC-4952-9217-139FE792DABA}" type="datetimeFigureOut">
               <a:rPr lang="ko-KR" altLang="en-US" smtClean="0"/>
-              <a:t>2024-07-31</a:t>
+              <a:t>2024-08-01</a:t>
             </a:fld>
             <a:endParaRPr lang="ko-KR" altLang="en-US"/>
           </a:p>
@@ -3765,10 +3680,2054 @@
       </p:grpSpPr>
       <p:sp>
         <p:nvSpPr>
-          <p:cNvPr id="4" name="직사각형 3">
-            <a:extLst>
-              <a:ext uri="{FF2B5EF4-FFF2-40B4-BE49-F238E27FC236}">
-                <a16:creationId xmlns:a16="http://schemas.microsoft.com/office/drawing/2014/main" id="{97E8CBA5-6A4B-4195-9B1E-9ABA49AC90F8}"/>
+          <p:cNvPr id="4" name="TextBox 3">
+            <a:extLst>
+              <a:ext uri="{FF2B5EF4-FFF2-40B4-BE49-F238E27FC236}">
+                <a16:creationId xmlns:a16="http://schemas.microsoft.com/office/drawing/2014/main" id="{9D66E9CC-4F74-40D8-A305-071F105D5E9D}"/>
+              </a:ext>
+            </a:extLst>
+          </p:cNvPr>
+          <p:cNvSpPr txBox="1"/>
+          <p:nvPr/>
+        </p:nvSpPr>
+        <p:spPr>
+          <a:xfrm>
+            <a:off x="114300" y="200025"/>
+            <a:ext cx="1420582" cy="369332"/>
+          </a:xfrm>
+          <a:prstGeom prst="rect">
+            <a:avLst/>
+          </a:prstGeom>
+          <a:noFill/>
+        </p:spPr>
+        <p:txBody>
+          <a:bodyPr wrap="none" rtlCol="0">
+            <a:spAutoFit/>
+          </a:bodyPr>
+          <a:lstStyle/>
+          <a:p>
+            <a:r>
+              <a:rPr lang="ko-KR" altLang="en-US"/>
+              <a:t>게임 플레이</a:t>
+            </a:r>
+          </a:p>
+        </p:txBody>
+      </p:sp>
+      <p:sp>
+        <p:nvSpPr>
+          <p:cNvPr id="8" name="TextBox 7">
+            <a:extLst>
+              <a:ext uri="{FF2B5EF4-FFF2-40B4-BE49-F238E27FC236}">
+                <a16:creationId xmlns:a16="http://schemas.microsoft.com/office/drawing/2014/main" id="{3AA975DA-767C-4979-AEBB-A41AF8F04CF1}"/>
+              </a:ext>
+            </a:extLst>
+          </p:cNvPr>
+          <p:cNvSpPr txBox="1"/>
+          <p:nvPr/>
+        </p:nvSpPr>
+        <p:spPr>
+          <a:xfrm>
+            <a:off x="52571" y="705695"/>
+            <a:ext cx="6840334" cy="4862870"/>
+          </a:xfrm>
+          <a:prstGeom prst="rect">
+            <a:avLst/>
+          </a:prstGeom>
+          <a:noFill/>
+        </p:spPr>
+        <p:txBody>
+          <a:bodyPr wrap="none" rtlCol="0">
+            <a:spAutoFit/>
+          </a:bodyPr>
+          <a:lstStyle/>
+          <a:p>
+            <a:pPr marL="171450" indent="-171450">
+              <a:buFontTx/>
+              <a:buChar char="-"/>
+            </a:pPr>
+            <a:r>
+              <a:rPr lang="ko-KR" altLang="en-US" sz="1000" dirty="0"/>
+              <a:t>전투</a:t>
+            </a:r>
+            <a:r>
+              <a:rPr lang="en-US" altLang="ko-KR" sz="1000" dirty="0"/>
+              <a:t>:</a:t>
+            </a:r>
+            <a:r>
+              <a:rPr lang="ko-KR" altLang="en-US" sz="1000" dirty="0"/>
+              <a:t> 무한</a:t>
+            </a:r>
+            <a:endParaRPr lang="en-US" altLang="ko-KR" sz="1000" dirty="0"/>
+          </a:p>
+          <a:p>
+            <a:pPr marL="171450" indent="-171450">
+              <a:buFontTx/>
+              <a:buChar char="-"/>
+            </a:pPr>
+            <a:r>
+              <a:rPr lang="ko-KR" altLang="en-US" sz="1000" dirty="0"/>
+              <a:t>경영</a:t>
+            </a:r>
+            <a:r>
+              <a:rPr lang="en-US" altLang="ko-KR" sz="1000" dirty="0"/>
+              <a:t>:</a:t>
+            </a:r>
+            <a:r>
+              <a:rPr lang="ko-KR" altLang="en-US" sz="1000" dirty="0"/>
+              <a:t> 제한 시간 내</a:t>
+            </a:r>
+            <a:endParaRPr lang="en-US" altLang="ko-KR" sz="1000" dirty="0"/>
+          </a:p>
+          <a:p>
+            <a:pPr marL="171450" indent="-171450">
+              <a:buFontTx/>
+              <a:buChar char="-"/>
+            </a:pPr>
+            <a:r>
+              <a:rPr lang="ko-KR" altLang="en-US" sz="1000" dirty="0"/>
+              <a:t>낮</a:t>
+            </a:r>
+            <a:r>
+              <a:rPr lang="en-US" altLang="ko-KR" sz="1000" dirty="0"/>
+              <a:t>/</a:t>
+            </a:r>
+            <a:r>
+              <a:rPr lang="ko-KR" altLang="en-US" sz="1000" dirty="0"/>
+              <a:t>밤에 따른 행동 제약 없음</a:t>
+            </a:r>
+            <a:endParaRPr lang="en-US" altLang="ko-KR" sz="1000" dirty="0"/>
+          </a:p>
+          <a:p>
+            <a:pPr marL="171450" indent="-171450">
+              <a:buFontTx/>
+              <a:buChar char="-"/>
+            </a:pPr>
+            <a:r>
+              <a:rPr lang="ko-KR" altLang="en-US" sz="1000" dirty="0"/>
+              <a:t>날짜와 시간이 있음</a:t>
+            </a:r>
+            <a:endParaRPr lang="en-US" altLang="ko-KR" sz="1000" dirty="0"/>
+          </a:p>
+          <a:p>
+            <a:pPr marL="171450" indent="-171450">
+              <a:buFontTx/>
+              <a:buChar char="-"/>
+            </a:pPr>
+            <a:r>
+              <a:rPr lang="ko-KR" altLang="en-US" sz="1000" dirty="0"/>
+              <a:t>현실과 게임 속 시간은 따로 적용</a:t>
+            </a:r>
+            <a:r>
+              <a:rPr lang="en-US" altLang="ko-KR" sz="1000" dirty="0"/>
+              <a:t> (</a:t>
+            </a:r>
+            <a:r>
+              <a:rPr lang="ko-KR" altLang="en-US" sz="1000" dirty="0"/>
+              <a:t>게임을 종료하면 게임 시간이 멈춤</a:t>
+            </a:r>
+            <a:r>
+              <a:rPr lang="en-US" altLang="ko-KR" sz="1000" dirty="0"/>
+              <a:t>)</a:t>
+            </a:r>
+          </a:p>
+          <a:p>
+            <a:pPr marL="171450" indent="-171450">
+              <a:buFontTx/>
+              <a:buChar char="-"/>
+            </a:pPr>
+            <a:r>
+              <a:rPr lang="ko-KR" altLang="en-US" sz="1000" dirty="0"/>
+              <a:t>현실</a:t>
+            </a:r>
+            <a:r>
+              <a:rPr lang="en-US" altLang="ko-KR" sz="1000" dirty="0"/>
+              <a:t> : </a:t>
+            </a:r>
+            <a:r>
+              <a:rPr lang="ko-KR" altLang="en-US" sz="1000" dirty="0"/>
+              <a:t>게임 </a:t>
+            </a:r>
+            <a:r>
+              <a:rPr lang="en-US" altLang="ko-KR" sz="1000" dirty="0"/>
+              <a:t>= 6</a:t>
+            </a:r>
+            <a:r>
+              <a:rPr lang="ko-KR" altLang="en-US" sz="1000" dirty="0"/>
+              <a:t>시간 </a:t>
+            </a:r>
+            <a:r>
+              <a:rPr lang="en-US" altLang="ko-KR" sz="1000" dirty="0"/>
+              <a:t>: 24</a:t>
+            </a:r>
+            <a:r>
+              <a:rPr lang="ko-KR" altLang="en-US" sz="1000" dirty="0"/>
+              <a:t>시간 </a:t>
+            </a:r>
+            <a:r>
+              <a:rPr lang="en-US" altLang="ko-KR" sz="1000" dirty="0"/>
+              <a:t>= 1</a:t>
+            </a:r>
+            <a:r>
+              <a:rPr lang="ko-KR" altLang="en-US" sz="1000" dirty="0"/>
+              <a:t>시간 </a:t>
+            </a:r>
+            <a:r>
+              <a:rPr lang="en-US" altLang="ko-KR" sz="1000" dirty="0"/>
+              <a:t>: 4</a:t>
+            </a:r>
+            <a:r>
+              <a:rPr lang="ko-KR" altLang="en-US" sz="1000" dirty="0"/>
+              <a:t>시간</a:t>
+            </a:r>
+            <a:endParaRPr lang="en-US" altLang="ko-KR" sz="1000" dirty="0"/>
+          </a:p>
+          <a:p>
+            <a:endParaRPr lang="en-US" altLang="ko-KR" sz="1000" dirty="0"/>
+          </a:p>
+          <a:p>
+            <a:pPr marL="171450" indent="-171450">
+              <a:buFontTx/>
+              <a:buChar char="-"/>
+            </a:pPr>
+            <a:r>
+              <a:rPr lang="ko-KR" altLang="en-US" sz="1000" dirty="0"/>
+              <a:t>시간이 걸리는 컨텐츠 </a:t>
+            </a:r>
+            <a:r>
+              <a:rPr lang="en-US" altLang="ko-KR" sz="1000" dirty="0"/>
+              <a:t>(</a:t>
+            </a:r>
+            <a:r>
+              <a:rPr lang="ko-KR" altLang="en-US" sz="1000" dirty="0"/>
+              <a:t>의뢰</a:t>
+            </a:r>
+            <a:r>
+              <a:rPr lang="en-US" altLang="ko-KR" sz="1000" dirty="0"/>
+              <a:t>, </a:t>
+            </a:r>
+            <a:r>
+              <a:rPr lang="ko-KR" altLang="en-US" sz="1000" dirty="0"/>
+              <a:t>제작</a:t>
+            </a:r>
+            <a:r>
+              <a:rPr lang="en-US" altLang="ko-KR" sz="1000" dirty="0"/>
+              <a:t>, </a:t>
+            </a:r>
+            <a:r>
+              <a:rPr lang="ko-KR" altLang="en-US" sz="1000" dirty="0"/>
+              <a:t>파견 등</a:t>
+            </a:r>
+            <a:r>
+              <a:rPr lang="en-US" altLang="ko-KR" sz="1000" dirty="0"/>
+              <a:t>)</a:t>
+            </a:r>
+            <a:r>
+              <a:rPr lang="ko-KR" altLang="en-US" sz="1000" dirty="0"/>
+              <a:t>등의 시간을 줄여주는 </a:t>
+            </a:r>
+            <a:r>
+              <a:rPr lang="ko-KR" altLang="en-US" sz="1000" dirty="0" err="1"/>
+              <a:t>뭔가가</a:t>
+            </a:r>
+            <a:r>
+              <a:rPr lang="ko-KR" altLang="en-US" sz="1000" dirty="0"/>
+              <a:t> 필요 </a:t>
+            </a:r>
+            <a:r>
+              <a:rPr lang="en-US" altLang="ko-KR" sz="1000" dirty="0"/>
+              <a:t>(</a:t>
+            </a:r>
+            <a:r>
+              <a:rPr lang="ko-KR" altLang="en-US" sz="1000" dirty="0"/>
+              <a:t>시간 감소 아이템 </a:t>
+            </a:r>
+            <a:r>
+              <a:rPr lang="en-US" altLang="ko-KR" sz="1000" dirty="0"/>
+              <a:t>or </a:t>
+            </a:r>
+            <a:r>
+              <a:rPr lang="ko-KR" altLang="en-US" sz="1000" dirty="0"/>
+              <a:t>시간 </a:t>
+            </a:r>
+            <a:r>
+              <a:rPr lang="ko-KR" altLang="en-US" sz="1000" dirty="0" err="1"/>
+              <a:t>스킵</a:t>
+            </a:r>
+            <a:r>
+              <a:rPr lang="ko-KR" altLang="en-US" sz="1000" dirty="0"/>
+              <a:t> 등</a:t>
+            </a:r>
+            <a:r>
+              <a:rPr lang="en-US" altLang="ko-KR" sz="1000" dirty="0"/>
+              <a:t>)</a:t>
+            </a:r>
+          </a:p>
+          <a:p>
+            <a:pPr marL="171450" indent="-171450">
+              <a:buFontTx/>
+              <a:buChar char="-"/>
+            </a:pPr>
+            <a:r>
+              <a:rPr lang="ko-KR" altLang="en-US" sz="1000" dirty="0"/>
+              <a:t>시간 </a:t>
+            </a:r>
+            <a:r>
+              <a:rPr lang="ko-KR" altLang="en-US" sz="1000" dirty="0" err="1"/>
+              <a:t>스킵</a:t>
+            </a:r>
+            <a:r>
+              <a:rPr lang="ko-KR" altLang="en-US" sz="1000" dirty="0"/>
+              <a:t> </a:t>
+            </a:r>
+            <a:r>
+              <a:rPr lang="en-US" altLang="ko-KR" sz="1000" dirty="0"/>
+              <a:t>2</a:t>
+            </a:r>
+            <a:r>
+              <a:rPr lang="ko-KR" altLang="en-US" sz="1000" dirty="0"/>
+              <a:t>가지</a:t>
+            </a:r>
+            <a:endParaRPr lang="en-US" altLang="ko-KR" sz="1000" dirty="0"/>
+          </a:p>
+          <a:p>
+            <a:pPr marL="628650" lvl="1" indent="-171450">
+              <a:buFontTx/>
+              <a:buChar char="-"/>
+            </a:pPr>
+            <a:r>
+              <a:rPr lang="ko-KR" altLang="en-US" sz="1000" dirty="0"/>
+              <a:t>플레이어가 버튼을 눌러서 수동 </a:t>
+            </a:r>
+            <a:r>
+              <a:rPr lang="ko-KR" altLang="en-US" sz="1000" dirty="0" err="1"/>
+              <a:t>스킵</a:t>
+            </a:r>
+            <a:r>
+              <a:rPr lang="ko-KR" altLang="en-US" sz="1000" dirty="0"/>
+              <a:t> </a:t>
+            </a:r>
+            <a:r>
+              <a:rPr lang="en-US" altLang="ko-KR" sz="1000" dirty="0"/>
+              <a:t>or </a:t>
+            </a:r>
+            <a:r>
+              <a:rPr lang="ko-KR" altLang="en-US" sz="1000" dirty="0"/>
+              <a:t>특정 이벤트</a:t>
+            </a:r>
+            <a:r>
+              <a:rPr lang="en-US" altLang="ko-KR" sz="1000" dirty="0"/>
+              <a:t>(</a:t>
+            </a:r>
+            <a:r>
+              <a:rPr lang="ko-KR" altLang="en-US" sz="1000" dirty="0"/>
+              <a:t>마을 침공</a:t>
+            </a:r>
+            <a:r>
+              <a:rPr lang="en-US" altLang="ko-KR" sz="1000" dirty="0"/>
+              <a:t>, </a:t>
+            </a:r>
+            <a:r>
+              <a:rPr lang="ko-KR" altLang="en-US" sz="1000" dirty="0"/>
+              <a:t>메인 퀘스트 등</a:t>
+            </a:r>
+            <a:r>
+              <a:rPr lang="en-US" altLang="ko-KR" sz="1000" dirty="0"/>
+              <a:t>)</a:t>
+            </a:r>
+            <a:r>
+              <a:rPr lang="ko-KR" altLang="en-US" sz="1000" dirty="0"/>
+              <a:t>로 자동 </a:t>
+            </a:r>
+            <a:r>
+              <a:rPr lang="ko-KR" altLang="en-US" sz="1000" dirty="0" err="1"/>
+              <a:t>스킵</a:t>
+            </a:r>
+            <a:endParaRPr lang="en-US" altLang="ko-KR" sz="1000" dirty="0"/>
+          </a:p>
+          <a:p>
+            <a:pPr marL="628650" lvl="1" indent="-171450">
+              <a:buFontTx/>
+              <a:buChar char="-"/>
+            </a:pPr>
+            <a:r>
+              <a:rPr lang="ko-KR" altLang="en-US" sz="1000" dirty="0" err="1"/>
+              <a:t>스킵</a:t>
+            </a:r>
+            <a:r>
+              <a:rPr lang="en-US" altLang="ko-KR" sz="1000" dirty="0"/>
+              <a:t>1: </a:t>
+            </a:r>
+            <a:r>
+              <a:rPr lang="ko-KR" altLang="en-US" sz="1000" dirty="0"/>
+              <a:t>경영 턴으로 바로 이동</a:t>
+            </a:r>
+            <a:endParaRPr lang="en-US" altLang="ko-KR" sz="1000" dirty="0"/>
+          </a:p>
+          <a:p>
+            <a:pPr marL="628650" lvl="1" indent="-171450">
+              <a:buFontTx/>
+              <a:buChar char="-"/>
+            </a:pPr>
+            <a:r>
+              <a:rPr lang="ko-KR" altLang="en-US" sz="1000" dirty="0" err="1"/>
+              <a:t>스킵</a:t>
+            </a:r>
+            <a:r>
+              <a:rPr lang="en-US" altLang="ko-KR" sz="1000" dirty="0"/>
+              <a:t>2: </a:t>
+            </a:r>
+            <a:r>
+              <a:rPr lang="ko-KR" altLang="en-US" sz="1000" dirty="0"/>
+              <a:t>다음날 아침으로 바로 이동</a:t>
+            </a:r>
+            <a:endParaRPr lang="en-US" altLang="ko-KR" sz="1000" dirty="0"/>
+          </a:p>
+          <a:p>
+            <a:pPr marL="628650" lvl="1" indent="-171450">
+              <a:buFontTx/>
+              <a:buChar char="-"/>
+            </a:pPr>
+            <a:r>
+              <a:rPr lang="ko-KR" altLang="en-US" sz="1000" dirty="0"/>
+              <a:t>단</a:t>
+            </a:r>
+            <a:r>
+              <a:rPr lang="en-US" altLang="ko-KR" sz="1000" dirty="0"/>
+              <a:t>, </a:t>
+            </a:r>
+            <a:r>
+              <a:rPr lang="ko-KR" altLang="en-US" sz="1000" dirty="0"/>
+              <a:t>시간 </a:t>
+            </a:r>
+            <a:r>
+              <a:rPr lang="ko-KR" altLang="en-US" sz="1000" dirty="0" err="1"/>
+              <a:t>스킵을</a:t>
+            </a:r>
+            <a:r>
+              <a:rPr lang="ko-KR" altLang="en-US" sz="1000" dirty="0"/>
+              <a:t> 하더라도 게임 내 시간은 흐름</a:t>
+            </a:r>
+            <a:r>
+              <a:rPr lang="en-US" altLang="ko-KR" sz="1000" dirty="0"/>
+              <a:t>.</a:t>
+            </a:r>
+          </a:p>
+          <a:p>
+            <a:endParaRPr lang="en-US" altLang="ko-KR" sz="1000" dirty="0"/>
+          </a:p>
+          <a:p>
+            <a:endParaRPr lang="en-US" altLang="ko-KR" sz="1000" dirty="0"/>
+          </a:p>
+          <a:p>
+            <a:pPr marL="171450" indent="-171450">
+              <a:buFontTx/>
+              <a:buChar char="-"/>
+            </a:pPr>
+            <a:r>
+              <a:rPr lang="ko-KR" altLang="en-US" sz="1000" dirty="0"/>
+              <a:t>밤에는 던전의 위험도가 급증하여 많은 모험가는 낮에 던전 탐험 </a:t>
+            </a:r>
+            <a:r>
+              <a:rPr lang="en-US" altLang="ko-KR" sz="1000" dirty="0"/>
+              <a:t>/ </a:t>
+            </a:r>
+            <a:r>
+              <a:rPr lang="ko-KR" altLang="en-US" sz="1000" dirty="0"/>
+              <a:t>밤에 휴식</a:t>
+            </a:r>
+            <a:r>
+              <a:rPr lang="en-US" altLang="ko-KR" sz="1000" dirty="0"/>
+              <a:t>or</a:t>
+            </a:r>
+            <a:r>
+              <a:rPr lang="ko-KR" altLang="en-US" sz="1000" dirty="0"/>
+              <a:t>정비</a:t>
+            </a:r>
+            <a:endParaRPr lang="en-US" altLang="ko-KR" sz="1000" dirty="0"/>
+          </a:p>
+          <a:p>
+            <a:pPr marL="628650" lvl="1" indent="-171450">
+              <a:buFontTx/>
+              <a:buChar char="-"/>
+            </a:pPr>
+            <a:r>
+              <a:rPr lang="ko-KR" altLang="en-US" sz="1000" dirty="0"/>
+              <a:t>단</a:t>
+            </a:r>
+            <a:r>
+              <a:rPr lang="en-US" altLang="ko-KR" sz="1000" dirty="0"/>
+              <a:t>, </a:t>
+            </a:r>
+            <a:r>
+              <a:rPr lang="ko-KR" altLang="en-US" sz="1000" dirty="0"/>
+              <a:t>밤일때만 얻을 수 있는 아이템이 있음</a:t>
+            </a:r>
+            <a:endParaRPr lang="en-US" altLang="ko-KR" sz="1000" dirty="0"/>
+          </a:p>
+          <a:p>
+            <a:pPr marL="628650" lvl="1" indent="-171450">
+              <a:buFontTx/>
+              <a:buChar char="-"/>
+            </a:pPr>
+            <a:r>
+              <a:rPr lang="ko-KR" altLang="en-US" sz="1000" dirty="0"/>
+              <a:t>밤의 던전은 더 어려운 난이도기 때문에 보상 더 많음</a:t>
+            </a:r>
+            <a:endParaRPr lang="en-US" altLang="ko-KR" sz="1000" dirty="0"/>
+          </a:p>
+          <a:p>
+            <a:pPr marL="628650" lvl="1" indent="-171450">
+              <a:buFontTx/>
+              <a:buChar char="-"/>
+            </a:pPr>
+            <a:r>
+              <a:rPr lang="ko-KR" altLang="en-US" sz="1000" dirty="0"/>
+              <a:t>몬스터의 </a:t>
+            </a:r>
+            <a:r>
+              <a:rPr lang="ko-KR" altLang="en-US" sz="1000" dirty="0" err="1"/>
+              <a:t>스탯</a:t>
+            </a:r>
+            <a:r>
+              <a:rPr lang="en-US" altLang="ko-KR" sz="1000" dirty="0"/>
+              <a:t> or </a:t>
+            </a:r>
+            <a:r>
+              <a:rPr lang="ko-KR" altLang="en-US" sz="1000" dirty="0"/>
+              <a:t>밤 전용 특별 몬스터 등으로 난이도 조절</a:t>
+            </a:r>
+            <a:endParaRPr lang="en-US" altLang="ko-KR" sz="1000" dirty="0"/>
+          </a:p>
+          <a:p>
+            <a:pPr marL="171450" indent="-171450">
+              <a:buFontTx/>
+              <a:buChar char="-"/>
+            </a:pPr>
+            <a:r>
+              <a:rPr lang="ko-KR" altLang="en-US" sz="1000" dirty="0"/>
+              <a:t>따라서</a:t>
+            </a:r>
+            <a:r>
+              <a:rPr lang="en-US" altLang="ko-KR" sz="1000" dirty="0"/>
+              <a:t>, </a:t>
+            </a:r>
+            <a:r>
+              <a:rPr lang="ko-KR" altLang="en-US" sz="1000" dirty="0"/>
+              <a:t>밤에 마을이 더 많이 활성화 된다</a:t>
+            </a:r>
+            <a:r>
+              <a:rPr lang="en-US" altLang="ko-KR" sz="1000" dirty="0"/>
+              <a:t>.</a:t>
+            </a:r>
+          </a:p>
+          <a:p>
+            <a:pPr marL="171450" indent="-171450">
+              <a:buFontTx/>
+              <a:buChar char="-"/>
+            </a:pPr>
+            <a:endParaRPr lang="en-US" altLang="ko-KR" sz="1000" dirty="0"/>
+          </a:p>
+          <a:p>
+            <a:pPr marL="171450" indent="-171450">
+              <a:buFontTx/>
+              <a:buChar char="-"/>
+            </a:pPr>
+            <a:endParaRPr lang="en-US" altLang="ko-KR" sz="1000" dirty="0"/>
+          </a:p>
+          <a:p>
+            <a:pPr marL="171450" indent="-171450">
+              <a:buFontTx/>
+              <a:buChar char="-"/>
+            </a:pPr>
+            <a:r>
+              <a:rPr lang="ko-KR" altLang="en-US" sz="1000" dirty="0"/>
+              <a:t>플레이어는 밤에 경영</a:t>
+            </a:r>
+            <a:endParaRPr lang="en-US" altLang="ko-KR" sz="1000" dirty="0"/>
+          </a:p>
+          <a:p>
+            <a:pPr marL="628650" lvl="1" indent="-171450">
+              <a:buFontTx/>
+              <a:buChar char="-"/>
+            </a:pPr>
+            <a:r>
+              <a:rPr lang="ko-KR" altLang="en-US" sz="1000" dirty="0" err="1"/>
+              <a:t>인게임</a:t>
+            </a:r>
+            <a:r>
+              <a:rPr lang="ko-KR" altLang="en-US" sz="1000" dirty="0"/>
+              <a:t> 시간 오후 </a:t>
+            </a:r>
+            <a:r>
+              <a:rPr lang="en-US" altLang="ko-KR" sz="1000" dirty="0"/>
+              <a:t>7</a:t>
+            </a:r>
+            <a:r>
+              <a:rPr lang="ko-KR" altLang="en-US" sz="1000" dirty="0"/>
+              <a:t>시 </a:t>
+            </a:r>
+            <a:r>
+              <a:rPr lang="en-US" altLang="ko-KR" sz="1000" dirty="0"/>
+              <a:t>~ 11</a:t>
+            </a:r>
+            <a:r>
+              <a:rPr lang="ko-KR" altLang="en-US" sz="1000" dirty="0"/>
+              <a:t>시</a:t>
+            </a:r>
+            <a:endParaRPr lang="en-US" altLang="ko-KR" sz="1000" dirty="0"/>
+          </a:p>
+          <a:p>
+            <a:pPr marL="628650" lvl="1" indent="-171450">
+              <a:buFontTx/>
+              <a:buChar char="-"/>
+            </a:pPr>
+            <a:r>
+              <a:rPr lang="ko-KR" altLang="en-US" sz="1000" dirty="0"/>
+              <a:t>정해진 시간에 마을에서 상호작용을 해야 경영 턴 시작</a:t>
+            </a:r>
+            <a:endParaRPr lang="en-US" altLang="ko-KR" sz="1000" dirty="0"/>
+          </a:p>
+          <a:p>
+            <a:pPr marL="628650" lvl="1" indent="-171450">
+              <a:buFontTx/>
+              <a:buChar char="-"/>
+            </a:pPr>
+            <a:r>
+              <a:rPr lang="ko-KR" altLang="en-US" sz="1000" dirty="0"/>
+              <a:t>아침이 되자마자 경영 턴으로 시간 </a:t>
+            </a:r>
+            <a:r>
+              <a:rPr lang="ko-KR" altLang="en-US" sz="1000" dirty="0" err="1"/>
+              <a:t>스킵해도</a:t>
+            </a:r>
+            <a:r>
+              <a:rPr lang="ko-KR" altLang="en-US" sz="1000" dirty="0"/>
+              <a:t> 됨</a:t>
+            </a:r>
+            <a:endParaRPr lang="en-US" altLang="ko-KR" sz="1000" dirty="0"/>
+          </a:p>
+          <a:p>
+            <a:pPr marL="628650" lvl="1" indent="-171450">
+              <a:buFontTx/>
+              <a:buChar char="-"/>
+            </a:pPr>
+            <a:r>
+              <a:rPr lang="ko-KR" altLang="en-US" sz="1000" dirty="0"/>
+              <a:t>단</a:t>
+            </a:r>
+            <a:r>
+              <a:rPr lang="en-US" altLang="ko-KR" sz="1000" dirty="0"/>
+              <a:t>, </a:t>
+            </a:r>
+            <a:r>
+              <a:rPr lang="ko-KR" altLang="en-US" sz="1000" dirty="0"/>
+              <a:t>준비</a:t>
+            </a:r>
+            <a:r>
+              <a:rPr lang="en-US" altLang="ko-KR" sz="1000" dirty="0"/>
+              <a:t>/</a:t>
+            </a:r>
+            <a:r>
+              <a:rPr lang="ko-KR" altLang="en-US" sz="1000" dirty="0"/>
+              <a:t>탐험에 시간을 쓰지 않아 그날 경영 턴에 불이익이 생기는 건 본인 책임</a:t>
+            </a:r>
+            <a:endParaRPr lang="en-US" altLang="ko-KR" sz="1000" dirty="0"/>
+          </a:p>
+          <a:p>
+            <a:pPr marL="628650" lvl="1" indent="-171450">
+              <a:buFontTx/>
+              <a:buChar char="-"/>
+            </a:pPr>
+            <a:endParaRPr lang="en-US" altLang="ko-KR" sz="1000" dirty="0"/>
+          </a:p>
+          <a:p>
+            <a:pPr marL="171450" indent="-171450">
+              <a:buFontTx/>
+              <a:buChar char="-"/>
+            </a:pPr>
+            <a:r>
+              <a:rPr lang="ko-KR" altLang="en-US" sz="1000" dirty="0"/>
+              <a:t>경영 시간에 반드시 경영을 할 필요는 없음</a:t>
+            </a:r>
+            <a:endParaRPr lang="en-US" altLang="ko-KR" sz="1000" dirty="0"/>
+          </a:p>
+          <a:p>
+            <a:pPr marL="628650" lvl="1" indent="-171450">
+              <a:buFontTx/>
+              <a:buChar char="-"/>
+            </a:pPr>
+            <a:r>
+              <a:rPr lang="en-US" altLang="ko-KR" sz="1000" dirty="0"/>
+              <a:t>NPC</a:t>
+            </a:r>
+            <a:r>
+              <a:rPr lang="ko-KR" altLang="en-US" sz="1000" dirty="0"/>
+              <a:t>를 고용하면 대신 </a:t>
+            </a:r>
+            <a:r>
+              <a:rPr lang="ko-KR" altLang="en-US" sz="1000" dirty="0" err="1"/>
+              <a:t>해줌</a:t>
+            </a:r>
+            <a:r>
+              <a:rPr lang="en-US" altLang="ko-KR" sz="1000" dirty="0"/>
+              <a:t>.</a:t>
+            </a:r>
+            <a:r>
+              <a:rPr lang="ko-KR" altLang="en-US" sz="1000" dirty="0"/>
+              <a:t> 대신 보상은 직접 하는 것 보다 적음</a:t>
+            </a:r>
+            <a:endParaRPr lang="en-US" altLang="ko-KR" sz="1000" dirty="0"/>
+          </a:p>
+          <a:p>
+            <a:pPr marL="628650" lvl="1" indent="-171450">
+              <a:buFontTx/>
+              <a:buChar char="-"/>
+            </a:pPr>
+            <a:r>
+              <a:rPr lang="ko-KR" altLang="en-US" sz="1000" dirty="0"/>
+              <a:t>고용된 </a:t>
+            </a:r>
+            <a:r>
+              <a:rPr lang="en-US" altLang="ko-KR" sz="1000" dirty="0"/>
+              <a:t>NPC</a:t>
+            </a:r>
+            <a:r>
+              <a:rPr lang="ko-KR" altLang="en-US" sz="1000" dirty="0"/>
+              <a:t>가 없으면 그날 장사 </a:t>
+            </a:r>
+            <a:r>
+              <a:rPr lang="ko-KR" altLang="en-US" sz="1000" dirty="0" err="1"/>
+              <a:t>안한거임</a:t>
+            </a:r>
+            <a:endParaRPr lang="en-US" altLang="ko-KR" sz="1000" dirty="0"/>
+          </a:p>
+        </p:txBody>
+      </p:sp>
+      <p:grpSp>
+        <p:nvGrpSpPr>
+          <p:cNvPr id="27" name="그룹 26">
+            <a:extLst>
+              <a:ext uri="{FF2B5EF4-FFF2-40B4-BE49-F238E27FC236}">
+                <a16:creationId xmlns:a16="http://schemas.microsoft.com/office/drawing/2014/main" id="{9D1D0054-0B97-4F20-80D1-46928EEE8DEC}"/>
+              </a:ext>
+            </a:extLst>
+          </p:cNvPr>
+          <p:cNvGrpSpPr/>
+          <p:nvPr/>
+        </p:nvGrpSpPr>
+        <p:grpSpPr>
+          <a:xfrm>
+            <a:off x="6791325" y="1461641"/>
+            <a:ext cx="2388466" cy="4489869"/>
+            <a:chOff x="8239125" y="683657"/>
+            <a:chExt cx="2388466" cy="4489869"/>
+          </a:xfrm>
+        </p:grpSpPr>
+        <p:sp>
+          <p:nvSpPr>
+            <p:cNvPr id="10" name="직사각형 9">
+              <a:extLst>
+                <a:ext uri="{FF2B5EF4-FFF2-40B4-BE49-F238E27FC236}">
+                  <a16:creationId xmlns:a16="http://schemas.microsoft.com/office/drawing/2014/main" id="{D4AD9426-FEFB-4395-B1F4-968EC1C8862A}"/>
+                </a:ext>
+              </a:extLst>
+            </p:cNvPr>
+            <p:cNvSpPr/>
+            <p:nvPr/>
+          </p:nvSpPr>
+          <p:spPr>
+            <a:xfrm>
+              <a:off x="8905875" y="1145476"/>
+              <a:ext cx="1045441" cy="535708"/>
+            </a:xfrm>
+            <a:prstGeom prst="rect">
+              <a:avLst/>
+            </a:prstGeom>
+          </p:spPr>
+          <p:style>
+            <a:lnRef idx="2">
+              <a:schemeClr val="accent1">
+                <a:shade val="50000"/>
+              </a:schemeClr>
+            </a:lnRef>
+            <a:fillRef idx="1">
+              <a:schemeClr val="accent1"/>
+            </a:fillRef>
+            <a:effectRef idx="0">
+              <a:schemeClr val="accent1"/>
+            </a:effectRef>
+            <a:fontRef idx="minor">
+              <a:schemeClr val="lt1"/>
+            </a:fontRef>
+          </p:style>
+          <p:txBody>
+            <a:bodyPr rtlCol="0" anchor="ctr"/>
+            <a:lstStyle/>
+            <a:p>
+              <a:pPr algn="ctr"/>
+              <a:r>
+                <a:rPr lang="ko-KR" altLang="en-US" sz="1000" dirty="0"/>
+                <a:t>캐릭터 </a:t>
+              </a:r>
+              <a:r>
+                <a:rPr lang="ko-KR" altLang="en-US" sz="1000" dirty="0" err="1"/>
+                <a:t>스폰</a:t>
+              </a:r>
+              <a:endParaRPr lang="en-US" altLang="ko-KR" sz="1000" dirty="0"/>
+            </a:p>
+            <a:p>
+              <a:pPr algn="ctr"/>
+              <a:r>
+                <a:rPr lang="en-US" altLang="ko-KR" sz="1000" dirty="0"/>
+                <a:t>(</a:t>
+              </a:r>
+              <a:r>
+                <a:rPr lang="ko-KR" altLang="en-US" sz="1000" dirty="0"/>
+                <a:t>종료 위치</a:t>
+              </a:r>
+              <a:r>
+                <a:rPr lang="en-US" altLang="ko-KR" sz="1000" dirty="0"/>
+                <a:t>)</a:t>
+              </a:r>
+              <a:endParaRPr lang="ko-KR" altLang="en-US" sz="1000" dirty="0"/>
+            </a:p>
+          </p:txBody>
+        </p:sp>
+        <p:sp>
+          <p:nvSpPr>
+            <p:cNvPr id="11" name="사각형: 둥근 모서리 10">
+              <a:extLst>
+                <a:ext uri="{FF2B5EF4-FFF2-40B4-BE49-F238E27FC236}">
+                  <a16:creationId xmlns:a16="http://schemas.microsoft.com/office/drawing/2014/main" id="{F2598F95-FCAB-4E3D-AA96-8418B0390C9C}"/>
+                </a:ext>
+              </a:extLst>
+            </p:cNvPr>
+            <p:cNvSpPr/>
+            <p:nvPr/>
+          </p:nvSpPr>
+          <p:spPr>
+            <a:xfrm>
+              <a:off x="8971396" y="683657"/>
+              <a:ext cx="914400" cy="258619"/>
+            </a:xfrm>
+            <a:prstGeom prst="roundRect">
+              <a:avLst/>
+            </a:prstGeom>
+          </p:spPr>
+          <p:style>
+            <a:lnRef idx="2">
+              <a:schemeClr val="accent1">
+                <a:shade val="50000"/>
+              </a:schemeClr>
+            </a:lnRef>
+            <a:fillRef idx="1">
+              <a:schemeClr val="accent1"/>
+            </a:fillRef>
+            <a:effectRef idx="0">
+              <a:schemeClr val="accent1"/>
+            </a:effectRef>
+            <a:fontRef idx="minor">
+              <a:schemeClr val="lt1"/>
+            </a:fontRef>
+          </p:style>
+          <p:txBody>
+            <a:bodyPr rtlCol="0" anchor="ctr"/>
+            <a:lstStyle/>
+            <a:p>
+              <a:pPr algn="ctr"/>
+              <a:r>
+                <a:rPr lang="ko-KR" altLang="en-US" sz="1000" dirty="0"/>
+                <a:t>시작</a:t>
+              </a:r>
+            </a:p>
+          </p:txBody>
+        </p:sp>
+        <p:sp>
+          <p:nvSpPr>
+            <p:cNvPr id="12" name="직사각형 11">
+              <a:extLst>
+                <a:ext uri="{FF2B5EF4-FFF2-40B4-BE49-F238E27FC236}">
+                  <a16:creationId xmlns:a16="http://schemas.microsoft.com/office/drawing/2014/main" id="{0162B398-0800-4034-A500-F31F438CE0D9}"/>
+                </a:ext>
+              </a:extLst>
+            </p:cNvPr>
+            <p:cNvSpPr/>
+            <p:nvPr/>
+          </p:nvSpPr>
+          <p:spPr>
+            <a:xfrm>
+              <a:off x="8239125" y="3844803"/>
+              <a:ext cx="1045441" cy="535708"/>
+            </a:xfrm>
+            <a:prstGeom prst="rect">
+              <a:avLst/>
+            </a:prstGeom>
+          </p:spPr>
+          <p:style>
+            <a:lnRef idx="2">
+              <a:schemeClr val="accent1">
+                <a:shade val="50000"/>
+              </a:schemeClr>
+            </a:lnRef>
+            <a:fillRef idx="1">
+              <a:schemeClr val="accent1"/>
+            </a:fillRef>
+            <a:effectRef idx="0">
+              <a:schemeClr val="accent1"/>
+            </a:effectRef>
+            <a:fontRef idx="minor">
+              <a:schemeClr val="lt1"/>
+            </a:fontRef>
+          </p:style>
+          <p:txBody>
+            <a:bodyPr rtlCol="0" anchor="ctr"/>
+            <a:lstStyle/>
+            <a:p>
+              <a:pPr algn="ctr"/>
+              <a:r>
+                <a:rPr lang="ko-KR" altLang="en-US" sz="1000" dirty="0"/>
+                <a:t>경영 턴</a:t>
+              </a:r>
+            </a:p>
+          </p:txBody>
+        </p:sp>
+        <p:sp>
+          <p:nvSpPr>
+            <p:cNvPr id="13" name="직사각형 12">
+              <a:extLst>
+                <a:ext uri="{FF2B5EF4-FFF2-40B4-BE49-F238E27FC236}">
+                  <a16:creationId xmlns:a16="http://schemas.microsoft.com/office/drawing/2014/main" id="{1DC5B51C-6D12-4E34-989E-493FF3797A15}"/>
+                </a:ext>
+              </a:extLst>
+            </p:cNvPr>
+            <p:cNvSpPr/>
+            <p:nvPr/>
+          </p:nvSpPr>
+          <p:spPr>
+            <a:xfrm>
+              <a:off x="8905875" y="1935237"/>
+              <a:ext cx="1045441" cy="535708"/>
+            </a:xfrm>
+            <a:prstGeom prst="rect">
+              <a:avLst/>
+            </a:prstGeom>
+          </p:spPr>
+          <p:style>
+            <a:lnRef idx="2">
+              <a:schemeClr val="accent1">
+                <a:shade val="50000"/>
+              </a:schemeClr>
+            </a:lnRef>
+            <a:fillRef idx="1">
+              <a:schemeClr val="accent1"/>
+            </a:fillRef>
+            <a:effectRef idx="0">
+              <a:schemeClr val="accent1"/>
+            </a:effectRef>
+            <a:fontRef idx="minor">
+              <a:schemeClr val="lt1"/>
+            </a:fontRef>
+          </p:style>
+          <p:txBody>
+            <a:bodyPr rtlCol="0" anchor="ctr"/>
+            <a:lstStyle/>
+            <a:p>
+              <a:pPr algn="ctr"/>
+              <a:r>
+                <a:rPr lang="ko-KR" altLang="en-US" sz="1000" dirty="0"/>
+                <a:t>시간 확인</a:t>
+              </a:r>
+            </a:p>
+          </p:txBody>
+        </p:sp>
+        <p:sp>
+          <p:nvSpPr>
+            <p:cNvPr id="14" name="직사각형 13">
+              <a:extLst>
+                <a:ext uri="{FF2B5EF4-FFF2-40B4-BE49-F238E27FC236}">
+                  <a16:creationId xmlns:a16="http://schemas.microsoft.com/office/drawing/2014/main" id="{C6602479-EBBC-4F6E-9FE1-5001BC3C5A4A}"/>
+                </a:ext>
+              </a:extLst>
+            </p:cNvPr>
+            <p:cNvSpPr/>
+            <p:nvPr/>
+          </p:nvSpPr>
+          <p:spPr>
+            <a:xfrm>
+              <a:off x="9582150" y="3846430"/>
+              <a:ext cx="1045441" cy="535708"/>
+            </a:xfrm>
+            <a:prstGeom prst="rect">
+              <a:avLst/>
+            </a:prstGeom>
+          </p:spPr>
+          <p:style>
+            <a:lnRef idx="2">
+              <a:schemeClr val="accent1">
+                <a:shade val="50000"/>
+              </a:schemeClr>
+            </a:lnRef>
+            <a:fillRef idx="1">
+              <a:schemeClr val="accent1"/>
+            </a:fillRef>
+            <a:effectRef idx="0">
+              <a:schemeClr val="accent1"/>
+            </a:effectRef>
+            <a:fontRef idx="minor">
+              <a:schemeClr val="lt1"/>
+            </a:fontRef>
+          </p:style>
+          <p:txBody>
+            <a:bodyPr rtlCol="0" anchor="ctr"/>
+            <a:lstStyle/>
+            <a:p>
+              <a:pPr algn="ctr"/>
+              <a:r>
+                <a:rPr lang="ko-KR" altLang="en-US" sz="1000" dirty="0"/>
+                <a:t>전투</a:t>
+              </a:r>
+            </a:p>
+          </p:txBody>
+        </p:sp>
+        <p:sp>
+          <p:nvSpPr>
+            <p:cNvPr id="15" name="다이아몬드 14">
+              <a:extLst>
+                <a:ext uri="{FF2B5EF4-FFF2-40B4-BE49-F238E27FC236}">
+                  <a16:creationId xmlns:a16="http://schemas.microsoft.com/office/drawing/2014/main" id="{F3AFFCDA-7647-467A-AE23-A6649438186C}"/>
+                </a:ext>
+              </a:extLst>
+            </p:cNvPr>
+            <p:cNvSpPr/>
+            <p:nvPr/>
+          </p:nvSpPr>
+          <p:spPr>
+            <a:xfrm>
+              <a:off x="9582149" y="4637818"/>
+              <a:ext cx="1045441" cy="535708"/>
+            </a:xfrm>
+            <a:prstGeom prst="diamond">
+              <a:avLst/>
+            </a:prstGeom>
+          </p:spPr>
+          <p:style>
+            <a:lnRef idx="2">
+              <a:schemeClr val="accent1">
+                <a:shade val="50000"/>
+              </a:schemeClr>
+            </a:lnRef>
+            <a:fillRef idx="1">
+              <a:schemeClr val="accent1"/>
+            </a:fillRef>
+            <a:effectRef idx="0">
+              <a:schemeClr val="accent1"/>
+            </a:effectRef>
+            <a:fontRef idx="minor">
+              <a:schemeClr val="lt1"/>
+            </a:fontRef>
+          </p:style>
+          <p:txBody>
+            <a:bodyPr rtlCol="0" anchor="ctr"/>
+            <a:lstStyle/>
+            <a:p>
+              <a:pPr algn="ctr"/>
+              <a:r>
+                <a:rPr lang="ko-KR" altLang="en-US" sz="1000" dirty="0"/>
+                <a:t>경영 참여</a:t>
+              </a:r>
+              <a:r>
+                <a:rPr lang="en-US" altLang="ko-KR" sz="1000" dirty="0"/>
+                <a:t>?</a:t>
+              </a:r>
+              <a:r>
+                <a:rPr lang="ko-KR" altLang="en-US" sz="1000" dirty="0"/>
+                <a:t> </a:t>
+              </a:r>
+              <a:endParaRPr lang="en-US" altLang="ko-KR" sz="1000" dirty="0"/>
+            </a:p>
+          </p:txBody>
+        </p:sp>
+        <p:sp>
+          <p:nvSpPr>
+            <p:cNvPr id="16" name="다이아몬드 15">
+              <a:extLst>
+                <a:ext uri="{FF2B5EF4-FFF2-40B4-BE49-F238E27FC236}">
+                  <a16:creationId xmlns:a16="http://schemas.microsoft.com/office/drawing/2014/main" id="{E5D0E9A5-64A4-460B-A3A6-CE0E0463886B}"/>
+                </a:ext>
+              </a:extLst>
+            </p:cNvPr>
+            <p:cNvSpPr/>
+            <p:nvPr/>
+          </p:nvSpPr>
+          <p:spPr>
+            <a:xfrm>
+              <a:off x="8905874" y="2836862"/>
+              <a:ext cx="1045441" cy="535708"/>
+            </a:xfrm>
+            <a:prstGeom prst="diamond">
+              <a:avLst/>
+            </a:prstGeom>
+          </p:spPr>
+          <p:style>
+            <a:lnRef idx="2">
+              <a:schemeClr val="accent1">
+                <a:shade val="50000"/>
+              </a:schemeClr>
+            </a:lnRef>
+            <a:fillRef idx="1">
+              <a:schemeClr val="accent1"/>
+            </a:fillRef>
+            <a:effectRef idx="0">
+              <a:schemeClr val="accent1"/>
+            </a:effectRef>
+            <a:fontRef idx="minor">
+              <a:schemeClr val="lt1"/>
+            </a:fontRef>
+          </p:style>
+          <p:txBody>
+            <a:bodyPr rtlCol="0" anchor="ctr"/>
+            <a:lstStyle/>
+            <a:p>
+              <a:pPr algn="ctr"/>
+              <a:r>
+                <a:rPr lang="ko-KR" altLang="en-US" sz="1000" dirty="0" err="1"/>
+                <a:t>스킵</a:t>
+              </a:r>
+              <a:r>
+                <a:rPr lang="en-US" altLang="ko-KR" sz="1000" dirty="0"/>
+                <a:t>?</a:t>
+              </a:r>
+            </a:p>
+          </p:txBody>
+        </p:sp>
+        <p:cxnSp>
+          <p:nvCxnSpPr>
+            <p:cNvPr id="17" name="연결선: 꺾임 16">
+              <a:extLst>
+                <a:ext uri="{FF2B5EF4-FFF2-40B4-BE49-F238E27FC236}">
+                  <a16:creationId xmlns:a16="http://schemas.microsoft.com/office/drawing/2014/main" id="{81194B99-E286-4DDD-A421-20D960B6E3E5}"/>
+                </a:ext>
+              </a:extLst>
+            </p:cNvPr>
+            <p:cNvCxnSpPr>
+              <a:stCxn id="15" idx="1"/>
+              <a:endCxn id="12" idx="3"/>
+            </p:cNvCxnSpPr>
+            <p:nvPr/>
+          </p:nvCxnSpPr>
+          <p:spPr>
+            <a:xfrm rot="10800000">
+              <a:off x="9284567" y="4112658"/>
+              <a:ext cx="297583" cy="793015"/>
+            </a:xfrm>
+            <a:prstGeom prst="bentConnector3">
+              <a:avLst/>
+            </a:prstGeom>
+            <a:ln>
+              <a:tailEnd type="triangle"/>
+            </a:ln>
+          </p:spPr>
+          <p:style>
+            <a:lnRef idx="1">
+              <a:schemeClr val="accent1"/>
+            </a:lnRef>
+            <a:fillRef idx="0">
+              <a:schemeClr val="accent1"/>
+            </a:fillRef>
+            <a:effectRef idx="0">
+              <a:schemeClr val="accent1"/>
+            </a:effectRef>
+            <a:fontRef idx="minor">
+              <a:schemeClr val="tx1"/>
+            </a:fontRef>
+          </p:style>
+        </p:cxnSp>
+        <p:cxnSp>
+          <p:nvCxnSpPr>
+            <p:cNvPr id="18" name="연결선: 꺾임 17">
+              <a:extLst>
+                <a:ext uri="{FF2B5EF4-FFF2-40B4-BE49-F238E27FC236}">
+                  <a16:creationId xmlns:a16="http://schemas.microsoft.com/office/drawing/2014/main" id="{6DD50942-346D-4EA0-982D-8F21FC4B0777}"/>
+                </a:ext>
+              </a:extLst>
+            </p:cNvPr>
+            <p:cNvCxnSpPr>
+              <a:cxnSpLocks/>
+              <a:stCxn id="15" idx="3"/>
+            </p:cNvCxnSpPr>
+            <p:nvPr/>
+          </p:nvCxnSpPr>
+          <p:spPr>
+            <a:xfrm flipH="1" flipV="1">
+              <a:off x="10104869" y="1808210"/>
+              <a:ext cx="522721" cy="3097462"/>
+            </a:xfrm>
+            <a:prstGeom prst="bentConnector4">
+              <a:avLst>
+                <a:gd name="adj1" fmla="val -43733"/>
+                <a:gd name="adj2" fmla="val 100143"/>
+              </a:avLst>
+            </a:prstGeom>
+            <a:ln>
+              <a:solidFill>
+                <a:srgbClr val="FF0000"/>
+              </a:solidFill>
+              <a:tailEnd type="triangle"/>
+            </a:ln>
+          </p:spPr>
+          <p:style>
+            <a:lnRef idx="1">
+              <a:schemeClr val="accent1"/>
+            </a:lnRef>
+            <a:fillRef idx="0">
+              <a:schemeClr val="accent1"/>
+            </a:fillRef>
+            <a:effectRef idx="0">
+              <a:schemeClr val="accent1"/>
+            </a:effectRef>
+            <a:fontRef idx="minor">
+              <a:schemeClr val="tx1"/>
+            </a:fontRef>
+          </p:style>
+        </p:cxnSp>
+        <p:cxnSp>
+          <p:nvCxnSpPr>
+            <p:cNvPr id="19" name="직선 화살표 연결선 18">
+              <a:extLst>
+                <a:ext uri="{FF2B5EF4-FFF2-40B4-BE49-F238E27FC236}">
+                  <a16:creationId xmlns:a16="http://schemas.microsoft.com/office/drawing/2014/main" id="{DFB62AD2-0BD4-4315-8ECE-4CCE25B3B354}"/>
+                </a:ext>
+              </a:extLst>
+            </p:cNvPr>
+            <p:cNvCxnSpPr>
+              <a:stCxn id="11" idx="2"/>
+              <a:endCxn id="10" idx="0"/>
+            </p:cNvCxnSpPr>
+            <p:nvPr/>
+          </p:nvCxnSpPr>
+          <p:spPr>
+            <a:xfrm>
+              <a:off x="9428596" y="942276"/>
+              <a:ext cx="0" cy="203200"/>
+            </a:xfrm>
+            <a:prstGeom prst="straightConnector1">
+              <a:avLst/>
+            </a:prstGeom>
+            <a:ln>
+              <a:tailEnd type="triangle"/>
+            </a:ln>
+          </p:spPr>
+          <p:style>
+            <a:lnRef idx="1">
+              <a:schemeClr val="dk1"/>
+            </a:lnRef>
+            <a:fillRef idx="0">
+              <a:schemeClr val="dk1"/>
+            </a:fillRef>
+            <a:effectRef idx="0">
+              <a:schemeClr val="dk1"/>
+            </a:effectRef>
+            <a:fontRef idx="minor">
+              <a:schemeClr val="tx1"/>
+            </a:fontRef>
+          </p:style>
+        </p:cxnSp>
+        <p:cxnSp>
+          <p:nvCxnSpPr>
+            <p:cNvPr id="20" name="직선 화살표 연결선 19">
+              <a:extLst>
+                <a:ext uri="{FF2B5EF4-FFF2-40B4-BE49-F238E27FC236}">
+                  <a16:creationId xmlns:a16="http://schemas.microsoft.com/office/drawing/2014/main" id="{F14B94B9-7CDE-4547-9B2D-5CEBA70BD909}"/>
+                </a:ext>
+              </a:extLst>
+            </p:cNvPr>
+            <p:cNvCxnSpPr>
+              <a:stCxn id="10" idx="2"/>
+              <a:endCxn id="13" idx="0"/>
+            </p:cNvCxnSpPr>
+            <p:nvPr/>
+          </p:nvCxnSpPr>
+          <p:spPr>
+            <a:xfrm>
+              <a:off x="9428596" y="1681184"/>
+              <a:ext cx="0" cy="254053"/>
+            </a:xfrm>
+            <a:prstGeom prst="straightConnector1">
+              <a:avLst/>
+            </a:prstGeom>
+            <a:ln>
+              <a:tailEnd type="triangle"/>
+            </a:ln>
+          </p:spPr>
+          <p:style>
+            <a:lnRef idx="1">
+              <a:schemeClr val="dk1"/>
+            </a:lnRef>
+            <a:fillRef idx="0">
+              <a:schemeClr val="dk1"/>
+            </a:fillRef>
+            <a:effectRef idx="0">
+              <a:schemeClr val="dk1"/>
+            </a:effectRef>
+            <a:fontRef idx="minor">
+              <a:schemeClr val="tx1"/>
+            </a:fontRef>
+          </p:style>
+        </p:cxnSp>
+        <p:cxnSp>
+          <p:nvCxnSpPr>
+            <p:cNvPr id="21" name="직선 화살표 연결선 20">
+              <a:extLst>
+                <a:ext uri="{FF2B5EF4-FFF2-40B4-BE49-F238E27FC236}">
+                  <a16:creationId xmlns:a16="http://schemas.microsoft.com/office/drawing/2014/main" id="{3873F990-8C4B-45F7-8E7C-D603CCBA72C1}"/>
+                </a:ext>
+              </a:extLst>
+            </p:cNvPr>
+            <p:cNvCxnSpPr>
+              <a:stCxn id="13" idx="2"/>
+              <a:endCxn id="16" idx="0"/>
+            </p:cNvCxnSpPr>
+            <p:nvPr/>
+          </p:nvCxnSpPr>
+          <p:spPr>
+            <a:xfrm flipH="1">
+              <a:off x="9428595" y="2470945"/>
+              <a:ext cx="1" cy="365917"/>
+            </a:xfrm>
+            <a:prstGeom prst="straightConnector1">
+              <a:avLst/>
+            </a:prstGeom>
+            <a:ln>
+              <a:tailEnd type="triangle"/>
+            </a:ln>
+          </p:spPr>
+          <p:style>
+            <a:lnRef idx="1">
+              <a:schemeClr val="dk1"/>
+            </a:lnRef>
+            <a:fillRef idx="0">
+              <a:schemeClr val="dk1"/>
+            </a:fillRef>
+            <a:effectRef idx="0">
+              <a:schemeClr val="dk1"/>
+            </a:effectRef>
+            <a:fontRef idx="minor">
+              <a:schemeClr val="tx1"/>
+            </a:fontRef>
+          </p:style>
+        </p:cxnSp>
+        <p:cxnSp>
+          <p:nvCxnSpPr>
+            <p:cNvPr id="22" name="연결선: 꺾임 21">
+              <a:extLst>
+                <a:ext uri="{FF2B5EF4-FFF2-40B4-BE49-F238E27FC236}">
+                  <a16:creationId xmlns:a16="http://schemas.microsoft.com/office/drawing/2014/main" id="{C496701E-FADC-4AFA-B2D7-CBD11D2255F8}"/>
+                </a:ext>
+              </a:extLst>
+            </p:cNvPr>
+            <p:cNvCxnSpPr>
+              <a:stCxn id="16" idx="3"/>
+            </p:cNvCxnSpPr>
+            <p:nvPr/>
+          </p:nvCxnSpPr>
+          <p:spPr>
+            <a:xfrm flipH="1" flipV="1">
+              <a:off x="9428594" y="1808210"/>
+              <a:ext cx="522721" cy="1296506"/>
+            </a:xfrm>
+            <a:prstGeom prst="bentConnector4">
+              <a:avLst>
+                <a:gd name="adj1" fmla="val -43733"/>
+                <a:gd name="adj2" fmla="val 100002"/>
+              </a:avLst>
+            </a:prstGeom>
+            <a:ln>
+              <a:tailEnd type="triangle"/>
+            </a:ln>
+          </p:spPr>
+          <p:style>
+            <a:lnRef idx="1">
+              <a:schemeClr val="accent1"/>
+            </a:lnRef>
+            <a:fillRef idx="0">
+              <a:schemeClr val="accent1"/>
+            </a:fillRef>
+            <a:effectRef idx="0">
+              <a:schemeClr val="accent1"/>
+            </a:effectRef>
+            <a:fontRef idx="minor">
+              <a:schemeClr val="tx1"/>
+            </a:fontRef>
+          </p:style>
+        </p:cxnSp>
+        <p:cxnSp>
+          <p:nvCxnSpPr>
+            <p:cNvPr id="23" name="연결선: 꺾임 22">
+              <a:extLst>
+                <a:ext uri="{FF2B5EF4-FFF2-40B4-BE49-F238E27FC236}">
+                  <a16:creationId xmlns:a16="http://schemas.microsoft.com/office/drawing/2014/main" id="{7F9AB4FF-F0EF-4E86-B749-01530CB8910B}"/>
+                </a:ext>
+              </a:extLst>
+            </p:cNvPr>
+            <p:cNvCxnSpPr>
+              <a:stCxn id="16" idx="2"/>
+              <a:endCxn id="14" idx="0"/>
+            </p:cNvCxnSpPr>
+            <p:nvPr/>
+          </p:nvCxnSpPr>
+          <p:spPr>
+            <a:xfrm rot="16200000" flipH="1">
+              <a:off x="9529803" y="3271362"/>
+              <a:ext cx="473860" cy="676276"/>
+            </a:xfrm>
+            <a:prstGeom prst="bentConnector3">
+              <a:avLst/>
+            </a:prstGeom>
+            <a:ln>
+              <a:solidFill>
+                <a:srgbClr val="FF0000"/>
+              </a:solidFill>
+              <a:tailEnd type="triangle"/>
+            </a:ln>
+          </p:spPr>
+          <p:style>
+            <a:lnRef idx="1">
+              <a:schemeClr val="accent1"/>
+            </a:lnRef>
+            <a:fillRef idx="0">
+              <a:schemeClr val="accent1"/>
+            </a:fillRef>
+            <a:effectRef idx="0">
+              <a:schemeClr val="accent1"/>
+            </a:effectRef>
+            <a:fontRef idx="minor">
+              <a:schemeClr val="tx1"/>
+            </a:fontRef>
+          </p:style>
+        </p:cxnSp>
+        <p:cxnSp>
+          <p:nvCxnSpPr>
+            <p:cNvPr id="24" name="연결선: 꺾임 23">
+              <a:extLst>
+                <a:ext uri="{FF2B5EF4-FFF2-40B4-BE49-F238E27FC236}">
+                  <a16:creationId xmlns:a16="http://schemas.microsoft.com/office/drawing/2014/main" id="{5B84B803-2E13-47BA-ADF0-159DE0BD0398}"/>
+                </a:ext>
+              </a:extLst>
+            </p:cNvPr>
+            <p:cNvCxnSpPr>
+              <a:stCxn id="16" idx="2"/>
+              <a:endCxn id="12" idx="0"/>
+            </p:cNvCxnSpPr>
+            <p:nvPr/>
+          </p:nvCxnSpPr>
+          <p:spPr>
+            <a:xfrm rot="5400000">
+              <a:off x="8859105" y="3275312"/>
+              <a:ext cx="472233" cy="666749"/>
+            </a:xfrm>
+            <a:prstGeom prst="bentConnector3">
+              <a:avLst/>
+            </a:prstGeom>
+            <a:ln>
+              <a:solidFill>
+                <a:srgbClr val="FF0000"/>
+              </a:solidFill>
+              <a:tailEnd type="triangle"/>
+            </a:ln>
+          </p:spPr>
+          <p:style>
+            <a:lnRef idx="1">
+              <a:schemeClr val="accent1"/>
+            </a:lnRef>
+            <a:fillRef idx="0">
+              <a:schemeClr val="accent1"/>
+            </a:fillRef>
+            <a:effectRef idx="0">
+              <a:schemeClr val="accent1"/>
+            </a:effectRef>
+            <a:fontRef idx="minor">
+              <a:schemeClr val="tx1"/>
+            </a:fontRef>
+          </p:style>
+        </p:cxnSp>
+        <p:cxnSp>
+          <p:nvCxnSpPr>
+            <p:cNvPr id="25" name="직선 화살표 연결선 24">
+              <a:extLst>
+                <a:ext uri="{FF2B5EF4-FFF2-40B4-BE49-F238E27FC236}">
+                  <a16:creationId xmlns:a16="http://schemas.microsoft.com/office/drawing/2014/main" id="{5829250F-0C25-41DE-9E6B-A1D1B7CAA4AB}"/>
+                </a:ext>
+              </a:extLst>
+            </p:cNvPr>
+            <p:cNvCxnSpPr>
+              <a:stCxn id="14" idx="2"/>
+              <a:endCxn id="15" idx="0"/>
+            </p:cNvCxnSpPr>
+            <p:nvPr/>
+          </p:nvCxnSpPr>
+          <p:spPr>
+            <a:xfrm flipH="1">
+              <a:off x="10104870" y="4382138"/>
+              <a:ext cx="1" cy="255680"/>
+            </a:xfrm>
+            <a:prstGeom prst="straightConnector1">
+              <a:avLst/>
+            </a:prstGeom>
+            <a:ln>
+              <a:tailEnd type="triangle"/>
+            </a:ln>
+          </p:spPr>
+          <p:style>
+            <a:lnRef idx="1">
+              <a:schemeClr val="dk1"/>
+            </a:lnRef>
+            <a:fillRef idx="0">
+              <a:schemeClr val="dk1"/>
+            </a:fillRef>
+            <a:effectRef idx="0">
+              <a:schemeClr val="dk1"/>
+            </a:effectRef>
+            <a:fontRef idx="minor">
+              <a:schemeClr val="tx1"/>
+            </a:fontRef>
+          </p:style>
+        </p:cxnSp>
+        <p:cxnSp>
+          <p:nvCxnSpPr>
+            <p:cNvPr id="26" name="연결선: 꺾임 25">
+              <a:extLst>
+                <a:ext uri="{FF2B5EF4-FFF2-40B4-BE49-F238E27FC236}">
+                  <a16:creationId xmlns:a16="http://schemas.microsoft.com/office/drawing/2014/main" id="{B12B7CEE-E19B-4B3C-A58D-89ED232B474F}"/>
+                </a:ext>
+              </a:extLst>
+            </p:cNvPr>
+            <p:cNvCxnSpPr>
+              <a:cxnSpLocks/>
+              <a:stCxn id="12" idx="2"/>
+            </p:cNvCxnSpPr>
+            <p:nvPr/>
+          </p:nvCxnSpPr>
+          <p:spPr>
+            <a:xfrm rot="5400000" flipH="1" flipV="1">
+              <a:off x="7737055" y="2833001"/>
+              <a:ext cx="2572301" cy="522720"/>
+            </a:xfrm>
+            <a:prstGeom prst="bentConnector5">
+              <a:avLst>
+                <a:gd name="adj1" fmla="val -8887"/>
+                <a:gd name="adj2" fmla="val -143733"/>
+                <a:gd name="adj3" fmla="val 99664"/>
+              </a:avLst>
+            </a:prstGeom>
+            <a:ln>
+              <a:tailEnd type="triangle"/>
+            </a:ln>
+          </p:spPr>
+          <p:style>
+            <a:lnRef idx="1">
+              <a:schemeClr val="dk1"/>
+            </a:lnRef>
+            <a:fillRef idx="0">
+              <a:schemeClr val="dk1"/>
+            </a:fillRef>
+            <a:effectRef idx="0">
+              <a:schemeClr val="dk1"/>
+            </a:effectRef>
+            <a:fontRef idx="minor">
+              <a:schemeClr val="tx1"/>
+            </a:fontRef>
+          </p:style>
+        </p:cxnSp>
+      </p:grpSp>
+      <p:grpSp>
+        <p:nvGrpSpPr>
+          <p:cNvPr id="28" name="그룹 27">
+            <a:extLst>
+              <a:ext uri="{FF2B5EF4-FFF2-40B4-BE49-F238E27FC236}">
+                <a16:creationId xmlns:a16="http://schemas.microsoft.com/office/drawing/2014/main" id="{B5D26E85-4552-4934-B8A2-20C29FFE9CF5}"/>
+              </a:ext>
+            </a:extLst>
+          </p:cNvPr>
+          <p:cNvGrpSpPr/>
+          <p:nvPr/>
+        </p:nvGrpSpPr>
+        <p:grpSpPr>
+          <a:xfrm>
+            <a:off x="10019904" y="743467"/>
+            <a:ext cx="1992132" cy="4423044"/>
+            <a:chOff x="1514763" y="568057"/>
+            <a:chExt cx="1992132" cy="4423044"/>
+          </a:xfrm>
+        </p:grpSpPr>
+        <p:sp>
+          <p:nvSpPr>
+            <p:cNvPr id="29" name="직사각형 28">
+              <a:extLst>
+                <a:ext uri="{FF2B5EF4-FFF2-40B4-BE49-F238E27FC236}">
+                  <a16:creationId xmlns:a16="http://schemas.microsoft.com/office/drawing/2014/main" id="{10616215-C442-40B4-AA98-5A4C9F1C9485}"/>
+                </a:ext>
+              </a:extLst>
+            </p:cNvPr>
+            <p:cNvSpPr/>
+            <p:nvPr/>
+          </p:nvSpPr>
+          <p:spPr>
+            <a:xfrm>
+              <a:off x="1994188" y="1782619"/>
+              <a:ext cx="1045441" cy="341746"/>
+            </a:xfrm>
+            <a:prstGeom prst="rect">
+              <a:avLst/>
+            </a:prstGeom>
+          </p:spPr>
+          <p:style>
+            <a:lnRef idx="2">
+              <a:schemeClr val="accent1">
+                <a:shade val="50000"/>
+              </a:schemeClr>
+            </a:lnRef>
+            <a:fillRef idx="1">
+              <a:schemeClr val="accent1"/>
+            </a:fillRef>
+            <a:effectRef idx="0">
+              <a:schemeClr val="accent1"/>
+            </a:effectRef>
+            <a:fontRef idx="minor">
+              <a:schemeClr val="lt1"/>
+            </a:fontRef>
+          </p:style>
+          <p:txBody>
+            <a:bodyPr rtlCol="0" anchor="ctr"/>
+            <a:lstStyle/>
+            <a:p>
+              <a:pPr algn="ctr"/>
+              <a:r>
+                <a:rPr lang="ko-KR" altLang="en-US" sz="1000" dirty="0"/>
+                <a:t>마을에서 </a:t>
+              </a:r>
+              <a:r>
+                <a:rPr lang="ko-KR" altLang="en-US" sz="1000" dirty="0" err="1"/>
+                <a:t>스폰</a:t>
+              </a:r>
+              <a:endParaRPr lang="ko-KR" altLang="en-US" sz="1000" dirty="0"/>
+            </a:p>
+          </p:txBody>
+        </p:sp>
+        <p:sp>
+          <p:nvSpPr>
+            <p:cNvPr id="30" name="사각형: 둥근 모서리 29">
+              <a:extLst>
+                <a:ext uri="{FF2B5EF4-FFF2-40B4-BE49-F238E27FC236}">
+                  <a16:creationId xmlns:a16="http://schemas.microsoft.com/office/drawing/2014/main" id="{2431B7AC-6065-44FF-8456-B13D45466359}"/>
+                </a:ext>
+              </a:extLst>
+            </p:cNvPr>
+            <p:cNvSpPr/>
+            <p:nvPr/>
+          </p:nvSpPr>
+          <p:spPr>
+            <a:xfrm>
+              <a:off x="2059709" y="1357760"/>
+              <a:ext cx="914400" cy="258619"/>
+            </a:xfrm>
+            <a:prstGeom prst="roundRect">
+              <a:avLst/>
+            </a:prstGeom>
+          </p:spPr>
+          <p:style>
+            <a:lnRef idx="2">
+              <a:schemeClr val="accent1">
+                <a:shade val="50000"/>
+              </a:schemeClr>
+            </a:lnRef>
+            <a:fillRef idx="1">
+              <a:schemeClr val="accent1"/>
+            </a:fillRef>
+            <a:effectRef idx="0">
+              <a:schemeClr val="accent1"/>
+            </a:effectRef>
+            <a:fontRef idx="minor">
+              <a:schemeClr val="lt1"/>
+            </a:fontRef>
+          </p:style>
+          <p:txBody>
+            <a:bodyPr rtlCol="0" anchor="ctr"/>
+            <a:lstStyle/>
+            <a:p>
+              <a:pPr algn="ctr"/>
+              <a:r>
+                <a:rPr lang="ko-KR" altLang="en-US" sz="1000"/>
+                <a:t>캐릭터 생성</a:t>
+              </a:r>
+              <a:endParaRPr lang="ko-KR" altLang="en-US" sz="1000" dirty="0"/>
+            </a:p>
+          </p:txBody>
+        </p:sp>
+        <p:sp>
+          <p:nvSpPr>
+            <p:cNvPr id="31" name="직사각형 30">
+              <a:extLst>
+                <a:ext uri="{FF2B5EF4-FFF2-40B4-BE49-F238E27FC236}">
+                  <a16:creationId xmlns:a16="http://schemas.microsoft.com/office/drawing/2014/main" id="{193C57AF-925F-4357-891A-8424E97E8A6F}"/>
+                </a:ext>
+              </a:extLst>
+            </p:cNvPr>
+            <p:cNvSpPr/>
+            <p:nvPr/>
+          </p:nvSpPr>
+          <p:spPr>
+            <a:xfrm>
+              <a:off x="1994188" y="2258869"/>
+              <a:ext cx="1045441" cy="341746"/>
+            </a:xfrm>
+            <a:prstGeom prst="rect">
+              <a:avLst/>
+            </a:prstGeom>
+          </p:spPr>
+          <p:style>
+            <a:lnRef idx="2">
+              <a:schemeClr val="accent1">
+                <a:shade val="50000"/>
+              </a:schemeClr>
+            </a:lnRef>
+            <a:fillRef idx="1">
+              <a:schemeClr val="accent1"/>
+            </a:fillRef>
+            <a:effectRef idx="0">
+              <a:schemeClr val="accent1"/>
+            </a:effectRef>
+            <a:fontRef idx="minor">
+              <a:schemeClr val="lt1"/>
+            </a:fontRef>
+          </p:style>
+          <p:txBody>
+            <a:bodyPr rtlCol="0" anchor="ctr"/>
+            <a:lstStyle/>
+            <a:p>
+              <a:pPr algn="ctr"/>
+              <a:r>
+                <a:rPr lang="ko-KR" altLang="en-US" sz="1000"/>
+                <a:t>던전 </a:t>
+              </a:r>
+              <a:r>
+                <a:rPr lang="ko-KR" altLang="en-US" sz="1000" dirty="0" err="1"/>
+                <a:t>들어감</a:t>
+              </a:r>
+              <a:endParaRPr lang="ko-KR" altLang="en-US" sz="1000" dirty="0"/>
+            </a:p>
+          </p:txBody>
+        </p:sp>
+        <p:sp>
+          <p:nvSpPr>
+            <p:cNvPr id="32" name="직사각형 31">
+              <a:extLst>
+                <a:ext uri="{FF2B5EF4-FFF2-40B4-BE49-F238E27FC236}">
+                  <a16:creationId xmlns:a16="http://schemas.microsoft.com/office/drawing/2014/main" id="{09C35692-7CC3-4ECD-A208-89F272712C38}"/>
+                </a:ext>
+              </a:extLst>
+            </p:cNvPr>
+            <p:cNvSpPr/>
+            <p:nvPr/>
+          </p:nvSpPr>
+          <p:spPr>
+            <a:xfrm>
+              <a:off x="1994188" y="2738584"/>
+              <a:ext cx="1045441" cy="341746"/>
+            </a:xfrm>
+            <a:prstGeom prst="rect">
+              <a:avLst/>
+            </a:prstGeom>
+          </p:spPr>
+          <p:style>
+            <a:lnRef idx="2">
+              <a:schemeClr val="accent1">
+                <a:shade val="50000"/>
+              </a:schemeClr>
+            </a:lnRef>
+            <a:fillRef idx="1">
+              <a:schemeClr val="accent1"/>
+            </a:fillRef>
+            <a:effectRef idx="0">
+              <a:schemeClr val="accent1"/>
+            </a:effectRef>
+            <a:fontRef idx="minor">
+              <a:schemeClr val="lt1"/>
+            </a:fontRef>
+          </p:style>
+          <p:txBody>
+            <a:bodyPr rtlCol="0" anchor="ctr"/>
+            <a:lstStyle/>
+            <a:p>
+              <a:pPr algn="ctr"/>
+              <a:r>
+                <a:rPr lang="ko-KR" altLang="en-US" sz="1000" dirty="0"/>
+                <a:t>전투</a:t>
+              </a:r>
+            </a:p>
+          </p:txBody>
+        </p:sp>
+        <p:sp>
+          <p:nvSpPr>
+            <p:cNvPr id="33" name="직사각형 32">
+              <a:extLst>
+                <a:ext uri="{FF2B5EF4-FFF2-40B4-BE49-F238E27FC236}">
+                  <a16:creationId xmlns:a16="http://schemas.microsoft.com/office/drawing/2014/main" id="{00F443C7-1C32-4907-B19E-79C6B8A1EB60}"/>
+                </a:ext>
+              </a:extLst>
+            </p:cNvPr>
+            <p:cNvSpPr/>
+            <p:nvPr/>
+          </p:nvSpPr>
+          <p:spPr>
+            <a:xfrm>
+              <a:off x="1994188" y="3206179"/>
+              <a:ext cx="1045441" cy="341746"/>
+            </a:xfrm>
+            <a:prstGeom prst="rect">
+              <a:avLst/>
+            </a:prstGeom>
+          </p:spPr>
+          <p:style>
+            <a:lnRef idx="2">
+              <a:schemeClr val="accent1">
+                <a:shade val="50000"/>
+              </a:schemeClr>
+            </a:lnRef>
+            <a:fillRef idx="1">
+              <a:schemeClr val="accent1"/>
+            </a:fillRef>
+            <a:effectRef idx="0">
+              <a:schemeClr val="accent1"/>
+            </a:effectRef>
+            <a:fontRef idx="minor">
+              <a:schemeClr val="lt1"/>
+            </a:fontRef>
+          </p:style>
+          <p:txBody>
+            <a:bodyPr rtlCol="0" anchor="ctr"/>
+            <a:lstStyle/>
+            <a:p>
+              <a:pPr algn="ctr"/>
+              <a:r>
+                <a:rPr lang="ko-KR" altLang="en-US" sz="1000"/>
+                <a:t>재료 획득</a:t>
+              </a:r>
+              <a:endParaRPr lang="ko-KR" altLang="en-US" sz="1000" dirty="0"/>
+            </a:p>
+          </p:txBody>
+        </p:sp>
+        <p:sp>
+          <p:nvSpPr>
+            <p:cNvPr id="34" name="직사각형 33">
+              <a:extLst>
+                <a:ext uri="{FF2B5EF4-FFF2-40B4-BE49-F238E27FC236}">
+                  <a16:creationId xmlns:a16="http://schemas.microsoft.com/office/drawing/2014/main" id="{59AAEAEB-FDB0-4878-AA5F-17197C1F3ED7}"/>
+                </a:ext>
+              </a:extLst>
+            </p:cNvPr>
+            <p:cNvSpPr/>
+            <p:nvPr/>
+          </p:nvSpPr>
+          <p:spPr>
+            <a:xfrm>
+              <a:off x="1994188" y="3673774"/>
+              <a:ext cx="1045441" cy="341746"/>
+            </a:xfrm>
+            <a:prstGeom prst="rect">
+              <a:avLst/>
+            </a:prstGeom>
+          </p:spPr>
+          <p:style>
+            <a:lnRef idx="2">
+              <a:schemeClr val="accent1">
+                <a:shade val="50000"/>
+              </a:schemeClr>
+            </a:lnRef>
+            <a:fillRef idx="1">
+              <a:schemeClr val="accent1"/>
+            </a:fillRef>
+            <a:effectRef idx="0">
+              <a:schemeClr val="accent1"/>
+            </a:effectRef>
+            <a:fontRef idx="minor">
+              <a:schemeClr val="lt1"/>
+            </a:fontRef>
+          </p:style>
+          <p:txBody>
+            <a:bodyPr rtlCol="0" anchor="ctr"/>
+            <a:lstStyle/>
+            <a:p>
+              <a:pPr algn="ctr"/>
+              <a:r>
+                <a:rPr lang="ko-KR" altLang="en-US" sz="1000" dirty="0"/>
+                <a:t>마을로 귀환</a:t>
+              </a:r>
+            </a:p>
+          </p:txBody>
+        </p:sp>
+        <p:sp>
+          <p:nvSpPr>
+            <p:cNvPr id="35" name="직사각형 34">
+              <a:extLst>
+                <a:ext uri="{FF2B5EF4-FFF2-40B4-BE49-F238E27FC236}">
+                  <a16:creationId xmlns:a16="http://schemas.microsoft.com/office/drawing/2014/main" id="{18D86538-03C6-459E-B468-4168EBB12D26}"/>
+                </a:ext>
+              </a:extLst>
+            </p:cNvPr>
+            <p:cNvSpPr/>
+            <p:nvPr/>
+          </p:nvSpPr>
+          <p:spPr>
+            <a:xfrm>
+              <a:off x="1994188" y="4141369"/>
+              <a:ext cx="1045441" cy="341746"/>
+            </a:xfrm>
+            <a:prstGeom prst="rect">
+              <a:avLst/>
+            </a:prstGeom>
+          </p:spPr>
+          <p:style>
+            <a:lnRef idx="2">
+              <a:schemeClr val="accent1">
+                <a:shade val="50000"/>
+              </a:schemeClr>
+            </a:lnRef>
+            <a:fillRef idx="1">
+              <a:schemeClr val="accent1"/>
+            </a:fillRef>
+            <a:effectRef idx="0">
+              <a:schemeClr val="accent1"/>
+            </a:effectRef>
+            <a:fontRef idx="minor">
+              <a:schemeClr val="lt1"/>
+            </a:fontRef>
+          </p:style>
+          <p:txBody>
+            <a:bodyPr rtlCol="0" anchor="ctr"/>
+            <a:lstStyle/>
+            <a:p>
+              <a:pPr algn="ctr"/>
+              <a:r>
+                <a:rPr lang="ko-KR" altLang="en-US" sz="1000" dirty="0"/>
+                <a:t>마을에서 </a:t>
+              </a:r>
+              <a:endParaRPr lang="en-US" altLang="ko-KR" sz="1000" dirty="0"/>
+            </a:p>
+            <a:p>
+              <a:pPr algn="ctr"/>
+              <a:r>
+                <a:rPr lang="ko-KR" altLang="en-US" sz="1000" dirty="0"/>
+                <a:t>재료 판매</a:t>
+              </a:r>
+            </a:p>
+          </p:txBody>
+        </p:sp>
+        <p:sp>
+          <p:nvSpPr>
+            <p:cNvPr id="36" name="직사각형 35">
+              <a:extLst>
+                <a:ext uri="{FF2B5EF4-FFF2-40B4-BE49-F238E27FC236}">
+                  <a16:creationId xmlns:a16="http://schemas.microsoft.com/office/drawing/2014/main" id="{B9555A34-F747-4240-8386-3F80BD072ADF}"/>
+                </a:ext>
+              </a:extLst>
+            </p:cNvPr>
+            <p:cNvSpPr/>
+            <p:nvPr/>
+          </p:nvSpPr>
+          <p:spPr>
+            <a:xfrm>
+              <a:off x="1994188" y="4649355"/>
+              <a:ext cx="1045441" cy="341746"/>
+            </a:xfrm>
+            <a:prstGeom prst="rect">
+              <a:avLst/>
+            </a:prstGeom>
+          </p:spPr>
+          <p:style>
+            <a:lnRef idx="2">
+              <a:schemeClr val="accent1">
+                <a:shade val="50000"/>
+              </a:schemeClr>
+            </a:lnRef>
+            <a:fillRef idx="1">
+              <a:schemeClr val="accent1"/>
+            </a:fillRef>
+            <a:effectRef idx="0">
+              <a:schemeClr val="accent1"/>
+            </a:effectRef>
+            <a:fontRef idx="minor">
+              <a:schemeClr val="lt1"/>
+            </a:fontRef>
+          </p:style>
+          <p:txBody>
+            <a:bodyPr rtlCol="0" anchor="ctr"/>
+            <a:lstStyle/>
+            <a:p>
+              <a:pPr algn="ctr"/>
+              <a:r>
+                <a:rPr lang="ko-KR" altLang="en-US" sz="1000" dirty="0"/>
+                <a:t>기타 경영 요소</a:t>
+              </a:r>
+              <a:endParaRPr lang="en-US" altLang="ko-KR" sz="1000" dirty="0"/>
+            </a:p>
+          </p:txBody>
+        </p:sp>
+        <p:sp>
+          <p:nvSpPr>
+            <p:cNvPr id="37" name="직사각형 36">
+              <a:extLst>
+                <a:ext uri="{FF2B5EF4-FFF2-40B4-BE49-F238E27FC236}">
+                  <a16:creationId xmlns:a16="http://schemas.microsoft.com/office/drawing/2014/main" id="{78E358BE-FC74-48D0-88CB-75849D02C4D1}"/>
+                </a:ext>
+              </a:extLst>
+            </p:cNvPr>
+            <p:cNvSpPr/>
+            <p:nvPr/>
+          </p:nvSpPr>
+          <p:spPr>
+            <a:xfrm>
+              <a:off x="1514763" y="568057"/>
+              <a:ext cx="1992132" cy="563433"/>
+            </a:xfrm>
+            <a:prstGeom prst="rect">
+              <a:avLst/>
+            </a:prstGeom>
+          </p:spPr>
+          <p:style>
+            <a:lnRef idx="2">
+              <a:schemeClr val="dk1">
+                <a:shade val="50000"/>
+              </a:schemeClr>
+            </a:lnRef>
+            <a:fillRef idx="1">
+              <a:schemeClr val="dk1"/>
+            </a:fillRef>
+            <a:effectRef idx="0">
+              <a:schemeClr val="dk1"/>
+            </a:effectRef>
+            <a:fontRef idx="minor">
+              <a:schemeClr val="lt1"/>
+            </a:fontRef>
+          </p:style>
+          <p:txBody>
+            <a:bodyPr rtlCol="0" anchor="ctr"/>
+            <a:lstStyle/>
+            <a:p>
+              <a:pPr algn="ctr"/>
+              <a:r>
+                <a:rPr lang="ko-KR" altLang="en-US" b="1" dirty="0"/>
+                <a:t>튜토리얼</a:t>
+              </a:r>
+            </a:p>
+          </p:txBody>
+        </p:sp>
+      </p:grpSp>
+      <p:sp>
+        <p:nvSpPr>
+          <p:cNvPr id="38" name="직사각형 37">
+            <a:extLst>
+              <a:ext uri="{FF2B5EF4-FFF2-40B4-BE49-F238E27FC236}">
+                <a16:creationId xmlns:a16="http://schemas.microsoft.com/office/drawing/2014/main" id="{39D5E60B-4637-442E-87CF-8EDAB0A5F7ED}"/>
               </a:ext>
             </a:extLst>
           </p:cNvPr>
@@ -3777,8 +5736,8 @@
         </p:nvSpPr>
         <p:spPr>
           <a:xfrm>
-            <a:off x="1994188" y="461819"/>
-            <a:ext cx="1045441" cy="341746"/>
+            <a:off x="6939881" y="743467"/>
+            <a:ext cx="1992132" cy="563433"/>
           </a:xfrm>
           <a:prstGeom prst="rect">
             <a:avLst/>
@@ -3786,15 +5745,15 @@
         </p:spPr>
         <p:style>
           <a:lnRef idx="2">
-            <a:schemeClr val="accent1">
+            <a:schemeClr val="dk1">
               <a:shade val="50000"/>
             </a:schemeClr>
           </a:lnRef>
           <a:fillRef idx="1">
-            <a:schemeClr val="accent1"/>
+            <a:schemeClr val="dk1"/>
           </a:fillRef>
           <a:effectRef idx="0">
-            <a:schemeClr val="accent1"/>
+            <a:schemeClr val="dk1"/>
           </a:effectRef>
           <a:fontRef idx="minor">
             <a:schemeClr val="lt1"/>
@@ -3806,555 +5765,16 @@
           <a:p>
             <a:pPr algn="ctr"/>
             <a:r>
-              <a:rPr lang="ko-KR" altLang="en-US" sz="1000" dirty="0"/>
-              <a:t>튜토리얼</a:t>
-            </a:r>
-          </a:p>
-        </p:txBody>
-      </p:sp>
-      <p:sp>
-        <p:nvSpPr>
-          <p:cNvPr id="5" name="사각형: 둥근 모서리 4">
-            <a:extLst>
-              <a:ext uri="{FF2B5EF4-FFF2-40B4-BE49-F238E27FC236}">
-                <a16:creationId xmlns:a16="http://schemas.microsoft.com/office/drawing/2014/main" id="{2A831212-3B3D-47B2-91FF-809DEFF10E0B}"/>
-              </a:ext>
-            </a:extLst>
-          </p:cNvPr>
-          <p:cNvSpPr/>
-          <p:nvPr/>
-        </p:nvSpPr>
-        <p:spPr>
-          <a:xfrm>
-            <a:off x="2059709" y="0"/>
-            <a:ext cx="914400" cy="258619"/>
-          </a:xfrm>
-          <a:prstGeom prst="roundRect">
-            <a:avLst/>
-          </a:prstGeom>
-        </p:spPr>
-        <p:style>
-          <a:lnRef idx="2">
-            <a:schemeClr val="accent1">
-              <a:shade val="50000"/>
-            </a:schemeClr>
-          </a:lnRef>
-          <a:fillRef idx="1">
-            <a:schemeClr val="accent1"/>
-          </a:fillRef>
-          <a:effectRef idx="0">
-            <a:schemeClr val="accent1"/>
-          </a:effectRef>
-          <a:fontRef idx="minor">
-            <a:schemeClr val="lt1"/>
-          </a:fontRef>
-        </p:style>
-        <p:txBody>
-          <a:bodyPr rtlCol="0" anchor="ctr"/>
-          <a:lstStyle/>
-          <a:p>
-            <a:pPr algn="ctr"/>
-            <a:r>
-              <a:rPr lang="ko-KR" altLang="en-US" sz="1000" dirty="0"/>
-              <a:t>시작</a:t>
-            </a:r>
-          </a:p>
-        </p:txBody>
-      </p:sp>
-      <p:sp>
-        <p:nvSpPr>
-          <p:cNvPr id="7" name="직사각형 6">
-            <a:extLst>
-              <a:ext uri="{FF2B5EF4-FFF2-40B4-BE49-F238E27FC236}">
-                <a16:creationId xmlns:a16="http://schemas.microsoft.com/office/drawing/2014/main" id="{C9B1EC49-3A12-489D-9700-B5D1786692B5}"/>
-              </a:ext>
-            </a:extLst>
-          </p:cNvPr>
-          <p:cNvSpPr/>
-          <p:nvPr/>
-        </p:nvSpPr>
-        <p:spPr>
-          <a:xfrm>
-            <a:off x="362238" y="359064"/>
-            <a:ext cx="1045441" cy="5038436"/>
-          </a:xfrm>
-          <a:prstGeom prst="rect">
-            <a:avLst/>
-          </a:prstGeom>
-          <a:noFill/>
-          <a:ln>
-            <a:noFill/>
-          </a:ln>
-        </p:spPr>
-        <p:style>
-          <a:lnRef idx="2">
-            <a:schemeClr val="accent1">
-              <a:shade val="50000"/>
-            </a:schemeClr>
-          </a:lnRef>
-          <a:fillRef idx="1">
-            <a:schemeClr val="accent1"/>
-          </a:fillRef>
-          <a:effectRef idx="0">
-            <a:schemeClr val="accent1"/>
-          </a:effectRef>
-          <a:fontRef idx="minor">
-            <a:schemeClr val="lt1"/>
-          </a:fontRef>
-        </p:style>
-        <p:txBody>
-          <a:bodyPr rtlCol="0" anchor="t"/>
-          <a:lstStyle/>
-          <a:p>
-            <a:endParaRPr lang="ko-KR" altLang="en-US" sz="1000" dirty="0">
-              <a:solidFill>
-                <a:sysClr val="windowText" lastClr="000000"/>
-              </a:solidFill>
-            </a:endParaRPr>
+              <a:rPr lang="ko-KR" altLang="en-US" b="1" dirty="0"/>
+              <a:t>게임 플레이</a:t>
+            </a:r>
           </a:p>
         </p:txBody>
       </p:sp>
     </p:spTree>
     <p:extLst>
       <p:ext uri="{BB962C8B-B14F-4D97-AF65-F5344CB8AC3E}">
-        <p14:creationId xmlns:p14="http://schemas.microsoft.com/office/powerpoint/2010/main" val="3283909432"/>
-      </p:ext>
-    </p:extLst>
-  </p:cSld>
-  <p:clrMapOvr>
-    <a:masterClrMapping/>
-  </p:clrMapOvr>
-</p:sld>
-</file>
-
-<file path=ppt/slides/slide2.xml><?xml version="1.0" encoding="utf-8"?>
-<p:sld xmlns:a="http://schemas.openxmlformats.org/drawingml/2006/main" xmlns:r="http://schemas.openxmlformats.org/officeDocument/2006/relationships" xmlns:p="http://schemas.openxmlformats.org/presentationml/2006/main">
-  <p:cSld>
-    <p:spTree>
-      <p:nvGrpSpPr>
-        <p:cNvPr id="1" name=""/>
-        <p:cNvGrpSpPr/>
-        <p:nvPr/>
-      </p:nvGrpSpPr>
-      <p:grpSpPr>
-        <a:xfrm>
-          <a:off x="0" y="0"/>
-          <a:ext cx="0" cy="0"/>
-          <a:chOff x="0" y="0"/>
-          <a:chExt cx="0" cy="0"/>
-        </a:xfrm>
-      </p:grpSpPr>
-      <p:sp>
-        <p:nvSpPr>
-          <p:cNvPr id="4" name="직사각형 3">
-            <a:extLst>
-              <a:ext uri="{FF2B5EF4-FFF2-40B4-BE49-F238E27FC236}">
-                <a16:creationId xmlns:a16="http://schemas.microsoft.com/office/drawing/2014/main" id="{E4E49F61-479B-4C83-A645-9EDA88EEA838}"/>
-              </a:ext>
-            </a:extLst>
-          </p:cNvPr>
-          <p:cNvSpPr/>
-          <p:nvPr/>
-        </p:nvSpPr>
-        <p:spPr>
-          <a:xfrm>
-            <a:off x="1994188" y="461819"/>
-            <a:ext cx="1045441" cy="341746"/>
-          </a:xfrm>
-          <a:prstGeom prst="rect">
-            <a:avLst/>
-          </a:prstGeom>
-        </p:spPr>
-        <p:style>
-          <a:lnRef idx="2">
-            <a:schemeClr val="accent1">
-              <a:shade val="50000"/>
-            </a:schemeClr>
-          </a:lnRef>
-          <a:fillRef idx="1">
-            <a:schemeClr val="accent1"/>
-          </a:fillRef>
-          <a:effectRef idx="0">
-            <a:schemeClr val="accent1"/>
-          </a:effectRef>
-          <a:fontRef idx="minor">
-            <a:schemeClr val="lt1"/>
-          </a:fontRef>
-        </p:style>
-        <p:txBody>
-          <a:bodyPr rtlCol="0" anchor="ctr"/>
-          <a:lstStyle/>
-          <a:p>
-            <a:pPr algn="ctr"/>
-            <a:r>
-              <a:rPr lang="ko-KR" altLang="en-US" sz="1000" dirty="0"/>
-              <a:t>마을에서 시작</a:t>
-            </a:r>
-          </a:p>
-        </p:txBody>
-      </p:sp>
-      <p:sp>
-        <p:nvSpPr>
-          <p:cNvPr id="5" name="사각형: 둥근 모서리 4">
-            <a:extLst>
-              <a:ext uri="{FF2B5EF4-FFF2-40B4-BE49-F238E27FC236}">
-                <a16:creationId xmlns:a16="http://schemas.microsoft.com/office/drawing/2014/main" id="{70C03DA9-746E-4F7D-9C6E-954E5BCCFD15}"/>
-              </a:ext>
-            </a:extLst>
-          </p:cNvPr>
-          <p:cNvSpPr/>
-          <p:nvPr/>
-        </p:nvSpPr>
-        <p:spPr>
-          <a:xfrm>
-            <a:off x="2059709" y="0"/>
-            <a:ext cx="914400" cy="258619"/>
-          </a:xfrm>
-          <a:prstGeom prst="roundRect">
-            <a:avLst/>
-          </a:prstGeom>
-        </p:spPr>
-        <p:style>
-          <a:lnRef idx="2">
-            <a:schemeClr val="accent1">
-              <a:shade val="50000"/>
-            </a:schemeClr>
-          </a:lnRef>
-          <a:fillRef idx="1">
-            <a:schemeClr val="accent1"/>
-          </a:fillRef>
-          <a:effectRef idx="0">
-            <a:schemeClr val="accent1"/>
-          </a:effectRef>
-          <a:fontRef idx="minor">
-            <a:schemeClr val="lt1"/>
-          </a:fontRef>
-        </p:style>
-        <p:txBody>
-          <a:bodyPr rtlCol="0" anchor="ctr"/>
-          <a:lstStyle/>
-          <a:p>
-            <a:pPr algn="ctr"/>
-            <a:r>
-              <a:rPr lang="ko-KR" altLang="en-US" sz="1000" dirty="0"/>
-              <a:t>튜토리얼</a:t>
-            </a:r>
-          </a:p>
-        </p:txBody>
-      </p:sp>
-      <p:sp>
-        <p:nvSpPr>
-          <p:cNvPr id="6" name="직사각형 5">
-            <a:extLst>
-              <a:ext uri="{FF2B5EF4-FFF2-40B4-BE49-F238E27FC236}">
-                <a16:creationId xmlns:a16="http://schemas.microsoft.com/office/drawing/2014/main" id="{4C8B8912-9830-4F87-BC51-5D789D2F7157}"/>
-              </a:ext>
-            </a:extLst>
-          </p:cNvPr>
-          <p:cNvSpPr/>
-          <p:nvPr/>
-        </p:nvSpPr>
-        <p:spPr>
-          <a:xfrm>
-            <a:off x="1994188" y="938069"/>
-            <a:ext cx="1045441" cy="341746"/>
-          </a:xfrm>
-          <a:prstGeom prst="rect">
-            <a:avLst/>
-          </a:prstGeom>
-        </p:spPr>
-        <p:style>
-          <a:lnRef idx="2">
-            <a:schemeClr val="accent1">
-              <a:shade val="50000"/>
-            </a:schemeClr>
-          </a:lnRef>
-          <a:fillRef idx="1">
-            <a:schemeClr val="accent1"/>
-          </a:fillRef>
-          <a:effectRef idx="0">
-            <a:schemeClr val="accent1"/>
-          </a:effectRef>
-          <a:fontRef idx="minor">
-            <a:schemeClr val="lt1"/>
-          </a:fontRef>
-        </p:style>
-        <p:txBody>
-          <a:bodyPr rtlCol="0" anchor="ctr"/>
-          <a:lstStyle/>
-          <a:p>
-            <a:pPr algn="ctr"/>
-            <a:r>
-              <a:rPr lang="ko-KR" altLang="en-US" sz="1000"/>
-              <a:t>던전 </a:t>
-            </a:r>
-            <a:r>
-              <a:rPr lang="ko-KR" altLang="en-US" sz="1000" dirty="0" err="1"/>
-              <a:t>들어감</a:t>
-            </a:r>
-            <a:endParaRPr lang="ko-KR" altLang="en-US" sz="1000" dirty="0"/>
-          </a:p>
-        </p:txBody>
-      </p:sp>
-      <p:sp>
-        <p:nvSpPr>
-          <p:cNvPr id="7" name="직사각형 6">
-            <a:extLst>
-              <a:ext uri="{FF2B5EF4-FFF2-40B4-BE49-F238E27FC236}">
-                <a16:creationId xmlns:a16="http://schemas.microsoft.com/office/drawing/2014/main" id="{CE720773-550C-4D7B-B813-1ED660701E4E}"/>
-              </a:ext>
-            </a:extLst>
-          </p:cNvPr>
-          <p:cNvSpPr/>
-          <p:nvPr/>
-        </p:nvSpPr>
-        <p:spPr>
-          <a:xfrm>
-            <a:off x="1994188" y="1417784"/>
-            <a:ext cx="1045441" cy="341746"/>
-          </a:xfrm>
-          <a:prstGeom prst="rect">
-            <a:avLst/>
-          </a:prstGeom>
-        </p:spPr>
-        <p:style>
-          <a:lnRef idx="2">
-            <a:schemeClr val="accent1">
-              <a:shade val="50000"/>
-            </a:schemeClr>
-          </a:lnRef>
-          <a:fillRef idx="1">
-            <a:schemeClr val="accent1"/>
-          </a:fillRef>
-          <a:effectRef idx="0">
-            <a:schemeClr val="accent1"/>
-          </a:effectRef>
-          <a:fontRef idx="minor">
-            <a:schemeClr val="lt1"/>
-          </a:fontRef>
-        </p:style>
-        <p:txBody>
-          <a:bodyPr rtlCol="0" anchor="ctr"/>
-          <a:lstStyle/>
-          <a:p>
-            <a:pPr algn="ctr"/>
-            <a:r>
-              <a:rPr lang="ko-KR" altLang="en-US" sz="1000" dirty="0"/>
-              <a:t>전투</a:t>
-            </a:r>
-          </a:p>
-        </p:txBody>
-      </p:sp>
-      <p:sp>
-        <p:nvSpPr>
-          <p:cNvPr id="8" name="직사각형 7">
-            <a:extLst>
-              <a:ext uri="{FF2B5EF4-FFF2-40B4-BE49-F238E27FC236}">
-                <a16:creationId xmlns:a16="http://schemas.microsoft.com/office/drawing/2014/main" id="{F669C302-F84F-435A-AAC7-5C9ED18E1B25}"/>
-              </a:ext>
-            </a:extLst>
-          </p:cNvPr>
-          <p:cNvSpPr/>
-          <p:nvPr/>
-        </p:nvSpPr>
-        <p:spPr>
-          <a:xfrm>
-            <a:off x="1994188" y="1885379"/>
-            <a:ext cx="1045441" cy="341746"/>
-          </a:xfrm>
-          <a:prstGeom prst="rect">
-            <a:avLst/>
-          </a:prstGeom>
-        </p:spPr>
-        <p:style>
-          <a:lnRef idx="2">
-            <a:schemeClr val="accent1">
-              <a:shade val="50000"/>
-            </a:schemeClr>
-          </a:lnRef>
-          <a:fillRef idx="1">
-            <a:schemeClr val="accent1"/>
-          </a:fillRef>
-          <a:effectRef idx="0">
-            <a:schemeClr val="accent1"/>
-          </a:effectRef>
-          <a:fontRef idx="minor">
-            <a:schemeClr val="lt1"/>
-          </a:fontRef>
-        </p:style>
-        <p:txBody>
-          <a:bodyPr rtlCol="0" anchor="ctr"/>
-          <a:lstStyle/>
-          <a:p>
-            <a:pPr algn="ctr"/>
-            <a:r>
-              <a:rPr lang="ko-KR" altLang="en-US" sz="1000"/>
-              <a:t>재료 획득</a:t>
-            </a:r>
-            <a:endParaRPr lang="ko-KR" altLang="en-US" sz="1000" dirty="0"/>
-          </a:p>
-        </p:txBody>
-      </p:sp>
-      <p:sp>
-        <p:nvSpPr>
-          <p:cNvPr id="9" name="직사각형 8">
-            <a:extLst>
-              <a:ext uri="{FF2B5EF4-FFF2-40B4-BE49-F238E27FC236}">
-                <a16:creationId xmlns:a16="http://schemas.microsoft.com/office/drawing/2014/main" id="{76C6C2A4-D4E9-41B5-A38E-94E102DA5A9E}"/>
-              </a:ext>
-            </a:extLst>
-          </p:cNvPr>
-          <p:cNvSpPr/>
-          <p:nvPr/>
-        </p:nvSpPr>
-        <p:spPr>
-          <a:xfrm>
-            <a:off x="1994188" y="2352974"/>
-            <a:ext cx="1045441" cy="341746"/>
-          </a:xfrm>
-          <a:prstGeom prst="rect">
-            <a:avLst/>
-          </a:prstGeom>
-        </p:spPr>
-        <p:style>
-          <a:lnRef idx="2">
-            <a:schemeClr val="accent1">
-              <a:shade val="50000"/>
-            </a:schemeClr>
-          </a:lnRef>
-          <a:fillRef idx="1">
-            <a:schemeClr val="accent1"/>
-          </a:fillRef>
-          <a:effectRef idx="0">
-            <a:schemeClr val="accent1"/>
-          </a:effectRef>
-          <a:fontRef idx="minor">
-            <a:schemeClr val="lt1"/>
-          </a:fontRef>
-        </p:style>
-        <p:txBody>
-          <a:bodyPr rtlCol="0" anchor="ctr"/>
-          <a:lstStyle/>
-          <a:p>
-            <a:pPr algn="ctr"/>
-            <a:r>
-              <a:rPr lang="ko-KR" altLang="en-US" sz="1000" dirty="0"/>
-              <a:t>마을로 귀환</a:t>
-            </a:r>
-          </a:p>
-        </p:txBody>
-      </p:sp>
-      <p:sp>
-        <p:nvSpPr>
-          <p:cNvPr id="10" name="직사각형 9">
-            <a:extLst>
-              <a:ext uri="{FF2B5EF4-FFF2-40B4-BE49-F238E27FC236}">
-                <a16:creationId xmlns:a16="http://schemas.microsoft.com/office/drawing/2014/main" id="{86B2BED1-8C43-45BF-BF55-7BF307C036F4}"/>
-              </a:ext>
-            </a:extLst>
-          </p:cNvPr>
-          <p:cNvSpPr/>
-          <p:nvPr/>
-        </p:nvSpPr>
-        <p:spPr>
-          <a:xfrm>
-            <a:off x="1994188" y="2820569"/>
-            <a:ext cx="1045441" cy="341746"/>
-          </a:xfrm>
-          <a:prstGeom prst="rect">
-            <a:avLst/>
-          </a:prstGeom>
-        </p:spPr>
-        <p:style>
-          <a:lnRef idx="2">
-            <a:schemeClr val="accent1">
-              <a:shade val="50000"/>
-            </a:schemeClr>
-          </a:lnRef>
-          <a:fillRef idx="1">
-            <a:schemeClr val="accent1"/>
-          </a:fillRef>
-          <a:effectRef idx="0">
-            <a:schemeClr val="accent1"/>
-          </a:effectRef>
-          <a:fontRef idx="minor">
-            <a:schemeClr val="lt1"/>
-          </a:fontRef>
-        </p:style>
-        <p:txBody>
-          <a:bodyPr rtlCol="0" anchor="ctr"/>
-          <a:lstStyle/>
-          <a:p>
-            <a:pPr algn="ctr"/>
-            <a:r>
-              <a:rPr lang="ko-KR" altLang="en-US" sz="1000" dirty="0"/>
-              <a:t>마을에서 </a:t>
-            </a:r>
-            <a:endParaRPr lang="en-US" altLang="ko-KR" sz="1000" dirty="0"/>
-          </a:p>
-          <a:p>
-            <a:pPr algn="ctr"/>
-            <a:r>
-              <a:rPr lang="ko-KR" altLang="en-US" sz="1000" dirty="0"/>
-              <a:t>재료 판매</a:t>
-            </a:r>
-          </a:p>
-        </p:txBody>
-      </p:sp>
-      <p:sp>
-        <p:nvSpPr>
-          <p:cNvPr id="11" name="직사각형 10">
-            <a:extLst>
-              <a:ext uri="{FF2B5EF4-FFF2-40B4-BE49-F238E27FC236}">
-                <a16:creationId xmlns:a16="http://schemas.microsoft.com/office/drawing/2014/main" id="{052EF3ED-31CA-49BE-8ED5-DF8C5C08F7B6}"/>
-              </a:ext>
-            </a:extLst>
-          </p:cNvPr>
-          <p:cNvSpPr/>
-          <p:nvPr/>
-        </p:nvSpPr>
-        <p:spPr>
-          <a:xfrm>
-            <a:off x="1994188" y="3328555"/>
-            <a:ext cx="1045441" cy="341746"/>
-          </a:xfrm>
-          <a:prstGeom prst="rect">
-            <a:avLst/>
-          </a:prstGeom>
-        </p:spPr>
-        <p:style>
-          <a:lnRef idx="2">
-            <a:schemeClr val="accent1">
-              <a:shade val="50000"/>
-            </a:schemeClr>
-          </a:lnRef>
-          <a:fillRef idx="1">
-            <a:schemeClr val="accent1"/>
-          </a:fillRef>
-          <a:effectRef idx="0">
-            <a:schemeClr val="accent1"/>
-          </a:effectRef>
-          <a:fontRef idx="minor">
-            <a:schemeClr val="lt1"/>
-          </a:fontRef>
-        </p:style>
-        <p:txBody>
-          <a:bodyPr rtlCol="0" anchor="ctr"/>
-          <a:lstStyle/>
-          <a:p>
-            <a:pPr algn="ctr"/>
-            <a:r>
-              <a:rPr lang="ko-KR" altLang="en-US" sz="1000" dirty="0"/>
-              <a:t>기타 경영 요소</a:t>
-            </a:r>
-            <a:endParaRPr lang="en-US" altLang="ko-KR" sz="1000" dirty="0"/>
-          </a:p>
-        </p:txBody>
-      </p:sp>
-    </p:spTree>
-    <p:extLst>
-      <p:ext uri="{BB962C8B-B14F-4D97-AF65-F5344CB8AC3E}">
-        <p14:creationId xmlns:p14="http://schemas.microsoft.com/office/powerpoint/2010/main" val="1321910469"/>
+        <p14:creationId xmlns:p14="http://schemas.microsoft.com/office/powerpoint/2010/main" val="1060518954"/>
       </p:ext>
     </p:extLst>
   </p:cSld>
